--- a/docs/assets/fractals/triangles/sierpinski-overlap.pptx
+++ b/docs/assets/fractals/triangles/sierpinski-overlap.pptx
@@ -4,6 +4,9 @@
   <p:sldMasterIdLst>
     <p:sldMasterId id="2147483672" r:id="rId1"/>
   </p:sldMasterIdLst>
+  <p:notesMasterIdLst>
+    <p:notesMasterId r:id="rId3"/>
+  </p:notesMasterIdLst>
   <p:sldIdLst>
     <p:sldId id="256" r:id="rId2"/>
   </p:sldIdLst>
@@ -112,6 +115,439 @@
 </p:presentation>
 </file>
 
+<file path=ppt/notesMasters/notesMaster1.xml><?xml version="1.0" encoding="utf-8"?>
+<p:notesMaster xmlns:a="http://schemas.openxmlformats.org/drawingml/2006/main" xmlns:r="http://schemas.openxmlformats.org/officeDocument/2006/relationships" xmlns:p="http://schemas.openxmlformats.org/presentationml/2006/main">
+  <p:cSld>
+    <p:bg>
+      <p:bgRef idx="1001">
+        <a:schemeClr val="bg1"/>
+      </p:bgRef>
+    </p:bg>
+    <p:spTree>
+      <p:nvGrpSpPr>
+        <p:cNvPr id="1" name=""/>
+        <p:cNvGrpSpPr/>
+        <p:nvPr/>
+      </p:nvGrpSpPr>
+      <p:grpSpPr>
+        <a:xfrm>
+          <a:off x="0" y="0"/>
+          <a:ext cx="0" cy="0"/>
+          <a:chOff x="0" y="0"/>
+          <a:chExt cx="0" cy="0"/>
+        </a:xfrm>
+      </p:grpSpPr>
+      <p:sp>
+        <p:nvSpPr>
+          <p:cNvPr id="2" name="Header Placeholder 1"/>
+          <p:cNvSpPr>
+            <a:spLocks noGrp="1"/>
+          </p:cNvSpPr>
+          <p:nvPr>
+            <p:ph type="hdr" sz="quarter"/>
+          </p:nvPr>
+        </p:nvSpPr>
+        <p:spPr>
+          <a:xfrm>
+            <a:off x="0" y="0"/>
+            <a:ext cx="2971800" cy="458788"/>
+          </a:xfrm>
+          <a:prstGeom prst="rect">
+            <a:avLst/>
+          </a:prstGeom>
+        </p:spPr>
+        <p:txBody>
+          <a:bodyPr vert="horz" lIns="91440" tIns="45720" rIns="91440" bIns="45720" rtlCol="0"/>
+          <a:lstStyle>
+            <a:lvl1pPr algn="l">
+              <a:defRPr sz="1200"/>
+            </a:lvl1pPr>
+          </a:lstStyle>
+          <a:p>
+            <a:endParaRPr lang="en-GB"/>
+          </a:p>
+        </p:txBody>
+      </p:sp>
+      <p:sp>
+        <p:nvSpPr>
+          <p:cNvPr id="3" name="Date Placeholder 2"/>
+          <p:cNvSpPr>
+            <a:spLocks noGrp="1"/>
+          </p:cNvSpPr>
+          <p:nvPr>
+            <p:ph type="dt" idx="1"/>
+          </p:nvPr>
+        </p:nvSpPr>
+        <p:spPr>
+          <a:xfrm>
+            <a:off x="3884613" y="0"/>
+            <a:ext cx="2971800" cy="458788"/>
+          </a:xfrm>
+          <a:prstGeom prst="rect">
+            <a:avLst/>
+          </a:prstGeom>
+        </p:spPr>
+        <p:txBody>
+          <a:bodyPr vert="horz" lIns="91440" tIns="45720" rIns="91440" bIns="45720" rtlCol="0"/>
+          <a:lstStyle>
+            <a:lvl1pPr algn="r">
+              <a:defRPr sz="1200"/>
+            </a:lvl1pPr>
+          </a:lstStyle>
+          <a:p>
+            <a:fld id="{887D53D4-01A4-5D4F-BB39-BC1AEB45D1BE}" type="datetimeFigureOut">
+              <a:rPr lang="en-GB" smtClean="0"/>
+              <a:t>05/01/2025</a:t>
+            </a:fld>
+            <a:endParaRPr lang="en-GB"/>
+          </a:p>
+        </p:txBody>
+      </p:sp>
+      <p:sp>
+        <p:nvSpPr>
+          <p:cNvPr id="4" name="Slide Image Placeholder 3"/>
+          <p:cNvSpPr>
+            <a:spLocks noGrp="1" noRot="1" noChangeAspect="1"/>
+          </p:cNvSpPr>
+          <p:nvPr>
+            <p:ph type="sldImg" idx="2"/>
+          </p:nvPr>
+        </p:nvSpPr>
+        <p:spPr>
+          <a:xfrm>
+            <a:off x="1647825" y="1143000"/>
+            <a:ext cx="3562350" cy="3086100"/>
+          </a:xfrm>
+          <a:prstGeom prst="rect">
+            <a:avLst/>
+          </a:prstGeom>
+          <a:noFill/>
+          <a:ln w="12700">
+            <a:solidFill>
+              <a:prstClr val="black"/>
+            </a:solidFill>
+          </a:ln>
+        </p:spPr>
+        <p:txBody>
+          <a:bodyPr vert="horz" lIns="91440" tIns="45720" rIns="91440" bIns="45720" rtlCol="0" anchor="ctr"/>
+          <a:lstStyle/>
+          <a:p>
+            <a:endParaRPr lang="en-GB"/>
+          </a:p>
+        </p:txBody>
+      </p:sp>
+      <p:sp>
+        <p:nvSpPr>
+          <p:cNvPr id="5" name="Notes Placeholder 4"/>
+          <p:cNvSpPr>
+            <a:spLocks noGrp="1"/>
+          </p:cNvSpPr>
+          <p:nvPr>
+            <p:ph type="body" sz="quarter" idx="3"/>
+          </p:nvPr>
+        </p:nvSpPr>
+        <p:spPr>
+          <a:xfrm>
+            <a:off x="685800" y="4400550"/>
+            <a:ext cx="5486400" cy="3600450"/>
+          </a:xfrm>
+          <a:prstGeom prst="rect">
+            <a:avLst/>
+          </a:prstGeom>
+        </p:spPr>
+        <p:txBody>
+          <a:bodyPr vert="horz" lIns="91440" tIns="45720" rIns="91440" bIns="45720" rtlCol="0"/>
+          <a:lstStyle/>
+          <a:p>
+            <a:pPr lvl="0"/>
+            <a:r>
+              <a:rPr lang="en-GB"/>
+              <a:t>Click to edit Master text styles</a:t>
+            </a:r>
+          </a:p>
+          <a:p>
+            <a:pPr lvl="1"/>
+            <a:r>
+              <a:rPr lang="en-GB"/>
+              <a:t>Second level</a:t>
+            </a:r>
+          </a:p>
+          <a:p>
+            <a:pPr lvl="2"/>
+            <a:r>
+              <a:rPr lang="en-GB"/>
+              <a:t>Third level</a:t>
+            </a:r>
+          </a:p>
+          <a:p>
+            <a:pPr lvl="3"/>
+            <a:r>
+              <a:rPr lang="en-GB"/>
+              <a:t>Fourth level</a:t>
+            </a:r>
+          </a:p>
+          <a:p>
+            <a:pPr lvl="4"/>
+            <a:r>
+              <a:rPr lang="en-GB"/>
+              <a:t>Fifth level</a:t>
+            </a:r>
+          </a:p>
+        </p:txBody>
+      </p:sp>
+      <p:sp>
+        <p:nvSpPr>
+          <p:cNvPr id="6" name="Footer Placeholder 5"/>
+          <p:cNvSpPr>
+            <a:spLocks noGrp="1"/>
+          </p:cNvSpPr>
+          <p:nvPr>
+            <p:ph type="ftr" sz="quarter" idx="4"/>
+          </p:nvPr>
+        </p:nvSpPr>
+        <p:spPr>
+          <a:xfrm>
+            <a:off x="0" y="8685213"/>
+            <a:ext cx="2971800" cy="458787"/>
+          </a:xfrm>
+          <a:prstGeom prst="rect">
+            <a:avLst/>
+          </a:prstGeom>
+        </p:spPr>
+        <p:txBody>
+          <a:bodyPr vert="horz" lIns="91440" tIns="45720" rIns="91440" bIns="45720" rtlCol="0" anchor="b"/>
+          <a:lstStyle>
+            <a:lvl1pPr algn="l">
+              <a:defRPr sz="1200"/>
+            </a:lvl1pPr>
+          </a:lstStyle>
+          <a:p>
+            <a:endParaRPr lang="en-GB"/>
+          </a:p>
+        </p:txBody>
+      </p:sp>
+      <p:sp>
+        <p:nvSpPr>
+          <p:cNvPr id="7" name="Slide Number Placeholder 6"/>
+          <p:cNvSpPr>
+            <a:spLocks noGrp="1"/>
+          </p:cNvSpPr>
+          <p:nvPr>
+            <p:ph type="sldNum" sz="quarter" idx="5"/>
+          </p:nvPr>
+        </p:nvSpPr>
+        <p:spPr>
+          <a:xfrm>
+            <a:off x="3884613" y="8685213"/>
+            <a:ext cx="2971800" cy="458787"/>
+          </a:xfrm>
+          <a:prstGeom prst="rect">
+            <a:avLst/>
+          </a:prstGeom>
+        </p:spPr>
+        <p:txBody>
+          <a:bodyPr vert="horz" lIns="91440" tIns="45720" rIns="91440" bIns="45720" rtlCol="0" anchor="b"/>
+          <a:lstStyle>
+            <a:lvl1pPr algn="r">
+              <a:defRPr sz="1200"/>
+            </a:lvl1pPr>
+          </a:lstStyle>
+          <a:p>
+            <a:fld id="{00305174-059A-6E47-A89B-BDBC4BD6FF62}" type="slidenum">
+              <a:rPr lang="en-GB" smtClean="0"/>
+              <a:t>‹#›</a:t>
+            </a:fld>
+            <a:endParaRPr lang="en-GB"/>
+          </a:p>
+        </p:txBody>
+      </p:sp>
+    </p:spTree>
+    <p:extLst>
+      <p:ext uri="{BB962C8B-B14F-4D97-AF65-F5344CB8AC3E}">
+        <p14:creationId xmlns:p14="http://schemas.microsoft.com/office/powerpoint/2010/main" val="2866094708"/>
+      </p:ext>
+    </p:extLst>
+  </p:cSld>
+  <p:clrMap bg1="lt1" tx1="dk1" bg2="lt2" tx2="dk2" accent1="accent1" accent2="accent2" accent3="accent3" accent4="accent4" accent5="accent5" accent6="accent6" hlink="hlink" folHlink="folHlink"/>
+  <p:notesStyle>
+    <a:lvl1pPr marL="0" algn="l" defTabSz="914400" rtl="0" eaLnBrk="1" latinLnBrk="0" hangingPunct="1">
+      <a:defRPr sz="1200" kern="1200">
+        <a:solidFill>
+          <a:schemeClr val="tx1"/>
+        </a:solidFill>
+        <a:latin typeface="+mn-lt"/>
+        <a:ea typeface="+mn-ea"/>
+        <a:cs typeface="+mn-cs"/>
+      </a:defRPr>
+    </a:lvl1pPr>
+    <a:lvl2pPr marL="457200" algn="l" defTabSz="914400" rtl="0" eaLnBrk="1" latinLnBrk="0" hangingPunct="1">
+      <a:defRPr sz="1200" kern="1200">
+        <a:solidFill>
+          <a:schemeClr val="tx1"/>
+        </a:solidFill>
+        <a:latin typeface="+mn-lt"/>
+        <a:ea typeface="+mn-ea"/>
+        <a:cs typeface="+mn-cs"/>
+      </a:defRPr>
+    </a:lvl2pPr>
+    <a:lvl3pPr marL="914400" algn="l" defTabSz="914400" rtl="0" eaLnBrk="1" latinLnBrk="0" hangingPunct="1">
+      <a:defRPr sz="1200" kern="1200">
+        <a:solidFill>
+          <a:schemeClr val="tx1"/>
+        </a:solidFill>
+        <a:latin typeface="+mn-lt"/>
+        <a:ea typeface="+mn-ea"/>
+        <a:cs typeface="+mn-cs"/>
+      </a:defRPr>
+    </a:lvl3pPr>
+    <a:lvl4pPr marL="1371600" algn="l" defTabSz="914400" rtl="0" eaLnBrk="1" latinLnBrk="0" hangingPunct="1">
+      <a:defRPr sz="1200" kern="1200">
+        <a:solidFill>
+          <a:schemeClr val="tx1"/>
+        </a:solidFill>
+        <a:latin typeface="+mn-lt"/>
+        <a:ea typeface="+mn-ea"/>
+        <a:cs typeface="+mn-cs"/>
+      </a:defRPr>
+    </a:lvl4pPr>
+    <a:lvl5pPr marL="1828800" algn="l" defTabSz="914400" rtl="0" eaLnBrk="1" latinLnBrk="0" hangingPunct="1">
+      <a:defRPr sz="1200" kern="1200">
+        <a:solidFill>
+          <a:schemeClr val="tx1"/>
+        </a:solidFill>
+        <a:latin typeface="+mn-lt"/>
+        <a:ea typeface="+mn-ea"/>
+        <a:cs typeface="+mn-cs"/>
+      </a:defRPr>
+    </a:lvl5pPr>
+    <a:lvl6pPr marL="2286000" algn="l" defTabSz="914400" rtl="0" eaLnBrk="1" latinLnBrk="0" hangingPunct="1">
+      <a:defRPr sz="1200" kern="1200">
+        <a:solidFill>
+          <a:schemeClr val="tx1"/>
+        </a:solidFill>
+        <a:latin typeface="+mn-lt"/>
+        <a:ea typeface="+mn-ea"/>
+        <a:cs typeface="+mn-cs"/>
+      </a:defRPr>
+    </a:lvl6pPr>
+    <a:lvl7pPr marL="2743200" algn="l" defTabSz="914400" rtl="0" eaLnBrk="1" latinLnBrk="0" hangingPunct="1">
+      <a:defRPr sz="1200" kern="1200">
+        <a:solidFill>
+          <a:schemeClr val="tx1"/>
+        </a:solidFill>
+        <a:latin typeface="+mn-lt"/>
+        <a:ea typeface="+mn-ea"/>
+        <a:cs typeface="+mn-cs"/>
+      </a:defRPr>
+    </a:lvl7pPr>
+    <a:lvl8pPr marL="3200400" algn="l" defTabSz="914400" rtl="0" eaLnBrk="1" latinLnBrk="0" hangingPunct="1">
+      <a:defRPr sz="1200" kern="1200">
+        <a:solidFill>
+          <a:schemeClr val="tx1"/>
+        </a:solidFill>
+        <a:latin typeface="+mn-lt"/>
+        <a:ea typeface="+mn-ea"/>
+        <a:cs typeface="+mn-cs"/>
+      </a:defRPr>
+    </a:lvl8pPr>
+    <a:lvl9pPr marL="3657600" algn="l" defTabSz="914400" rtl="0" eaLnBrk="1" latinLnBrk="0" hangingPunct="1">
+      <a:defRPr sz="1200" kern="1200">
+        <a:solidFill>
+          <a:schemeClr val="tx1"/>
+        </a:solidFill>
+        <a:latin typeface="+mn-lt"/>
+        <a:ea typeface="+mn-ea"/>
+        <a:cs typeface="+mn-cs"/>
+      </a:defRPr>
+    </a:lvl9pPr>
+  </p:notesStyle>
+</p:notesMaster>
+</file>
+
+<file path=ppt/notesSlides/notesSlide1.xml><?xml version="1.0" encoding="utf-8"?>
+<p:notes xmlns:a="http://schemas.openxmlformats.org/drawingml/2006/main" xmlns:r="http://schemas.openxmlformats.org/officeDocument/2006/relationships" xmlns:p="http://schemas.openxmlformats.org/presentationml/2006/main">
+  <p:cSld>
+    <p:spTree>
+      <p:nvGrpSpPr>
+        <p:cNvPr id="1" name=""/>
+        <p:cNvGrpSpPr/>
+        <p:nvPr/>
+      </p:nvGrpSpPr>
+      <p:grpSpPr>
+        <a:xfrm>
+          <a:off x="0" y="0"/>
+          <a:ext cx="0" cy="0"/>
+          <a:chOff x="0" y="0"/>
+          <a:chExt cx="0" cy="0"/>
+        </a:xfrm>
+      </p:grpSpPr>
+      <p:sp>
+        <p:nvSpPr>
+          <p:cNvPr id="2" name="Slide Image Placeholder 1"/>
+          <p:cNvSpPr>
+            <a:spLocks noGrp="1" noRot="1" noChangeAspect="1"/>
+          </p:cNvSpPr>
+          <p:nvPr>
+            <p:ph type="sldImg"/>
+          </p:nvPr>
+        </p:nvSpPr>
+        <p:spPr/>
+      </p:sp>
+      <p:sp>
+        <p:nvSpPr>
+          <p:cNvPr id="3" name="Notes Placeholder 2"/>
+          <p:cNvSpPr>
+            <a:spLocks noGrp="1"/>
+          </p:cNvSpPr>
+          <p:nvPr>
+            <p:ph type="body" idx="1"/>
+          </p:nvPr>
+        </p:nvSpPr>
+        <p:spPr/>
+        <p:txBody>
+          <a:bodyPr/>
+          <a:lstStyle/>
+          <a:p>
+            <a:endParaRPr lang="en-GB" dirty="0"/>
+          </a:p>
+        </p:txBody>
+      </p:sp>
+      <p:sp>
+        <p:nvSpPr>
+          <p:cNvPr id="4" name="Slide Number Placeholder 3"/>
+          <p:cNvSpPr>
+            <a:spLocks noGrp="1"/>
+          </p:cNvSpPr>
+          <p:nvPr>
+            <p:ph type="sldNum" sz="quarter" idx="5"/>
+          </p:nvPr>
+        </p:nvSpPr>
+        <p:spPr/>
+        <p:txBody>
+          <a:bodyPr/>
+          <a:lstStyle/>
+          <a:p>
+            <a:fld id="{00305174-059A-6E47-A89B-BDBC4BD6FF62}" type="slidenum">
+              <a:rPr lang="en-GB" smtClean="0"/>
+              <a:t>1</a:t>
+            </a:fld>
+            <a:endParaRPr lang="en-GB"/>
+          </a:p>
+        </p:txBody>
+      </p:sp>
+    </p:spTree>
+    <p:extLst>
+      <p:ext uri="{BB962C8B-B14F-4D97-AF65-F5344CB8AC3E}">
+        <p14:creationId xmlns:p14="http://schemas.microsoft.com/office/powerpoint/2010/main" val="511303034"/>
+      </p:ext>
+    </p:extLst>
+  </p:cSld>
+  <p:clrMapOvr>
+    <a:masterClrMapping/>
+  </p:clrMapOvr>
+</p:notes>
+</file>
+
 <file path=ppt/slideLayouts/slideLayout1.xml><?xml version="1.0" encoding="utf-8"?>
 <p:sldLayout xmlns:a="http://schemas.openxmlformats.org/drawingml/2006/main" xmlns:r="http://schemas.openxmlformats.org/officeDocument/2006/relationships" xmlns:p="http://schemas.openxmlformats.org/presentationml/2006/main" type="title" preserve="1">
   <p:cSld name="Title Slide">
@@ -243,7 +679,7 @@
           <a:p>
             <a:fld id="{62FDE275-0456-3F4D-B921-9E87CF373D9B}" type="datetimeFigureOut">
               <a:rPr lang="en-GB" smtClean="0"/>
-              <a:t>24/10/2024</a:t>
+              <a:t>05/01/2025</a:t>
             </a:fld>
             <a:endParaRPr lang="en-GB"/>
           </a:p>
@@ -413,7 +849,7 @@
           <a:p>
             <a:fld id="{62FDE275-0456-3F4D-B921-9E87CF373D9B}" type="datetimeFigureOut">
               <a:rPr lang="en-GB" smtClean="0"/>
-              <a:t>24/10/2024</a:t>
+              <a:t>05/01/2025</a:t>
             </a:fld>
             <a:endParaRPr lang="en-GB"/>
           </a:p>
@@ -593,7 +1029,7 @@
           <a:p>
             <a:fld id="{62FDE275-0456-3F4D-B921-9E87CF373D9B}" type="datetimeFigureOut">
               <a:rPr lang="en-GB" smtClean="0"/>
-              <a:t>24/10/2024</a:t>
+              <a:t>05/01/2025</a:t>
             </a:fld>
             <a:endParaRPr lang="en-GB"/>
           </a:p>
@@ -763,7 +1199,7 @@
           <a:p>
             <a:fld id="{62FDE275-0456-3F4D-B921-9E87CF373D9B}" type="datetimeFigureOut">
               <a:rPr lang="en-GB" smtClean="0"/>
-              <a:t>24/10/2024</a:t>
+              <a:t>05/01/2025</a:t>
             </a:fld>
             <a:endParaRPr lang="en-GB"/>
           </a:p>
@@ -1007,7 +1443,7 @@
           <a:p>
             <a:fld id="{62FDE275-0456-3F4D-B921-9E87CF373D9B}" type="datetimeFigureOut">
               <a:rPr lang="en-GB" smtClean="0"/>
-              <a:t>24/10/2024</a:t>
+              <a:t>05/01/2025</a:t>
             </a:fld>
             <a:endParaRPr lang="en-GB"/>
           </a:p>
@@ -1239,7 +1675,7 @@
           <a:p>
             <a:fld id="{62FDE275-0456-3F4D-B921-9E87CF373D9B}" type="datetimeFigureOut">
               <a:rPr lang="en-GB" smtClean="0"/>
-              <a:t>24/10/2024</a:t>
+              <a:t>05/01/2025</a:t>
             </a:fld>
             <a:endParaRPr lang="en-GB"/>
           </a:p>
@@ -1606,7 +2042,7 @@
           <a:p>
             <a:fld id="{62FDE275-0456-3F4D-B921-9E87CF373D9B}" type="datetimeFigureOut">
               <a:rPr lang="en-GB" smtClean="0"/>
-              <a:t>24/10/2024</a:t>
+              <a:t>05/01/2025</a:t>
             </a:fld>
             <a:endParaRPr lang="en-GB"/>
           </a:p>
@@ -1724,7 +2160,7 @@
           <a:p>
             <a:fld id="{62FDE275-0456-3F4D-B921-9E87CF373D9B}" type="datetimeFigureOut">
               <a:rPr lang="en-GB" smtClean="0"/>
-              <a:t>24/10/2024</a:t>
+              <a:t>05/01/2025</a:t>
             </a:fld>
             <a:endParaRPr lang="en-GB"/>
           </a:p>
@@ -1819,7 +2255,7 @@
           <a:p>
             <a:fld id="{62FDE275-0456-3F4D-B921-9E87CF373D9B}" type="datetimeFigureOut">
               <a:rPr lang="en-GB" smtClean="0"/>
-              <a:t>24/10/2024</a:t>
+              <a:t>05/01/2025</a:t>
             </a:fld>
             <a:endParaRPr lang="en-GB"/>
           </a:p>
@@ -2096,7 +2532,7 @@
           <a:p>
             <a:fld id="{62FDE275-0456-3F4D-B921-9E87CF373D9B}" type="datetimeFigureOut">
               <a:rPr lang="en-GB" smtClean="0"/>
-              <a:t>24/10/2024</a:t>
+              <a:t>05/01/2025</a:t>
             </a:fld>
             <a:endParaRPr lang="en-GB"/>
           </a:p>
@@ -2353,7 +2789,7 @@
           <a:p>
             <a:fld id="{62FDE275-0456-3F4D-B921-9E87CF373D9B}" type="datetimeFigureOut">
               <a:rPr lang="en-GB" smtClean="0"/>
-              <a:t>24/10/2024</a:t>
+              <a:t>05/01/2025</a:t>
             </a:fld>
             <a:endParaRPr lang="en-GB"/>
           </a:p>
@@ -2566,7 +3002,7 @@
           <a:p>
             <a:fld id="{62FDE275-0456-3F4D-B921-9E87CF373D9B}" type="datetimeFigureOut">
               <a:rPr lang="en-GB" smtClean="0"/>
-              <a:t>24/10/2024</a:t>
+              <a:t>05/01/2025</a:t>
             </a:fld>
             <a:endParaRPr lang="en-GB"/>
           </a:p>
@@ -2988,14 +3424,14 @@
               <p:nvPr>
                 <p:extLst>
                   <p:ext uri="{D42A27DB-BD31-4B8C-83A1-F6EECF244321}">
-                    <p14:modId xmlns:p14="http://schemas.microsoft.com/office/powerpoint/2010/main" val="2912488939"/>
+                    <p14:modId xmlns:p14="http://schemas.microsoft.com/office/powerpoint/2010/main" val="659715766"/>
                   </p:ext>
                 </p:extLst>
               </p:nvPr>
             </p:nvGraphicFramePr>
             <p:xfrm>
-              <a:off x="-1373" y="3895493"/>
-              <a:ext cx="2700000" cy="2338610"/>
+              <a:off x="0" y="4988441"/>
+              <a:ext cx="1440000" cy="1247259"/>
             </p:xfrm>
             <a:graphic>
               <a:graphicData uri="http://schemas.microsoft.com/office/powerpoint/2016/slidezoom">
@@ -3003,7 +3439,7 @@
                   <pslz:sldZmObj sldId="256" cId="2464987212">
                     <pslz:zmPr id="{550B9FE4-A4E3-6E43-8434-7F7F244B4ABF}" returnToParent="0" transitionDur="1000" showBg="0">
                       <p166:blipFill xmlns:p166="http://schemas.microsoft.com/office/powerpoint/2016/6/main">
-                        <a:blip r:embed="rId2"/>
+                        <a:blip r:embed="rId3"/>
                         <a:stretch>
                           <a:fillRect/>
                         </a:stretch>
@@ -3011,7 +3447,7 @@
                       <p166:spPr xmlns:p166="http://schemas.microsoft.com/office/powerpoint/2016/6/main">
                         <a:xfrm>
                           <a:off x="0" y="0"/>
-                          <a:ext cx="2700000" cy="2338610"/>
+                          <a:ext cx="1440000" cy="1247259"/>
                         </a:xfrm>
                         <a:prstGeom prst="rect">
                           <a:avLst/>
@@ -3033,7 +3469,7 @@
           <p:pic>
             <p:nvPicPr>
               <p:cNvPr id="5" name="Slide Zoom 4">
-                <a:hlinkClick r:id="rId3" action="ppaction://hlinksldjump"/>
+                <a:hlinkClick r:id="rId4" action="ppaction://hlinksldjump"/>
                 <a:extLst>
                   <a:ext uri="{FF2B5EF4-FFF2-40B4-BE49-F238E27FC236}">
                     <a16:creationId xmlns:a16="http://schemas.microsoft.com/office/drawing/2014/main" id="{EDDCDD86-671F-D1D2-512B-98B8826B89E0}"/>
@@ -3046,552 +3482,15 @@
               <p:nvPr/>
             </p:nvPicPr>
             <p:blipFill>
-              <a:blip r:embed="rId4"/>
+              <a:blip r:embed="rId5"/>
               <a:stretch>
                 <a:fillRect/>
               </a:stretch>
             </p:blipFill>
             <p:spPr>
               <a:xfrm>
-                <a:off x="-1373" y="3895493"/>
-                <a:ext cx="2700000" cy="2338610"/>
-              </a:xfrm>
-              <a:prstGeom prst="rect">
-                <a:avLst/>
-              </a:prstGeom>
-              <a:effectLst>
-                <a:glow>
-                  <a:schemeClr val="tx1"/>
-                </a:glow>
-              </a:effectLst>
-            </p:spPr>
-          </p:pic>
-        </mc:Fallback>
-      </mc:AlternateContent>
-      <mc:AlternateContent xmlns:mc="http://schemas.openxmlformats.org/markup-compatibility/2006" xmlns:pslz="http://schemas.microsoft.com/office/powerpoint/2016/slidezoom">
-        <mc:Choice Requires="pslz">
-          <p:graphicFrame>
-            <p:nvGraphicFramePr>
-              <p:cNvPr id="6" name="Slide Zoom 5">
-                <a:extLst>
-                  <a:ext uri="{FF2B5EF4-FFF2-40B4-BE49-F238E27FC236}">
-                    <a16:creationId xmlns:a16="http://schemas.microsoft.com/office/drawing/2014/main" id="{9FC45E3C-E3CB-E8FB-0CBF-98201876EC43}"/>
-                  </a:ext>
-                </a:extLst>
-              </p:cNvPr>
-              <p:cNvGraphicFramePr>
-                <a:graphicFrameLocks noChangeAspect="1"/>
-              </p:cNvGraphicFramePr>
-              <p:nvPr>
-                <p:extLst>
-                  <p:ext uri="{D42A27DB-BD31-4B8C-83A1-F6EECF244321}">
-                    <p14:modId xmlns:p14="http://schemas.microsoft.com/office/powerpoint/2010/main" val="4013119589"/>
-                  </p:ext>
-                </p:extLst>
-              </p:nvPr>
-            </p:nvGraphicFramePr>
-            <p:xfrm>
-              <a:off x="4500687" y="3895700"/>
-              <a:ext cx="2701605" cy="2340000"/>
-            </p:xfrm>
-            <a:graphic>
-              <a:graphicData uri="http://schemas.microsoft.com/office/powerpoint/2016/slidezoom">
-                <pslz:sldZm>
-                  <pslz:sldZmObj sldId="256" cId="2464987212">
-                    <pslz:zmPr id="{550B9FE4-A4E3-6E43-8434-7F7F244B4ABF}" returnToParent="0" transitionDur="1000" showBg="0">
-                      <p166:blipFill xmlns:p166="http://schemas.microsoft.com/office/powerpoint/2016/6/main">
-                        <a:blip r:embed="rId5"/>
-                        <a:stretch>
-                          <a:fillRect/>
-                        </a:stretch>
-                      </p166:blipFill>
-                      <p166:spPr xmlns:p166="http://schemas.microsoft.com/office/powerpoint/2016/6/main">
-                        <a:xfrm>
-                          <a:off x="0" y="0"/>
-                          <a:ext cx="2701605" cy="2340000"/>
-                        </a:xfrm>
-                        <a:prstGeom prst="rect">
-                          <a:avLst/>
-                        </a:prstGeom>
-                        <a:effectLst>
-                          <a:glow>
-                            <a:schemeClr val="tx1"/>
-                          </a:glow>
-                        </a:effectLst>
-                      </p166:spPr>
-                    </pslz:zmPr>
-                  </pslz:sldZmObj>
-                </pslz:sldZm>
-              </a:graphicData>
-            </a:graphic>
-          </p:graphicFrame>
-        </mc:Choice>
-        <mc:Fallback xmlns="">
-          <p:pic>
-            <p:nvPicPr>
-              <p:cNvPr id="6" name="Slide Zoom 5">
-                <a:hlinkClick r:id="rId3" action="ppaction://hlinksldjump"/>
-                <a:extLst>
-                  <a:ext uri="{FF2B5EF4-FFF2-40B4-BE49-F238E27FC236}">
-                    <a16:creationId xmlns:a16="http://schemas.microsoft.com/office/drawing/2014/main" id="{9FC45E3C-E3CB-E8FB-0CBF-98201876EC43}"/>
-                  </a:ext>
-                </a:extLst>
-              </p:cNvPr>
-              <p:cNvPicPr>
-                <a:picLocks noGrp="1" noRot="1" noChangeAspect="1" noMove="1" noResize="1" noEditPoints="1" noAdjustHandles="1" noChangeArrowheads="1" noChangeShapeType="1"/>
-              </p:cNvPicPr>
-              <p:nvPr/>
-            </p:nvPicPr>
-            <p:blipFill>
-              <a:blip r:embed="rId6"/>
-              <a:stretch>
-                <a:fillRect/>
-              </a:stretch>
-            </p:blipFill>
-            <p:spPr>
-              <a:xfrm>
-                <a:off x="4500687" y="3895700"/>
-                <a:ext cx="2701605" cy="2340000"/>
-              </a:xfrm>
-              <a:prstGeom prst="rect">
-                <a:avLst/>
-              </a:prstGeom>
-              <a:effectLst>
-                <a:glow>
-                  <a:schemeClr val="tx1"/>
-                </a:glow>
-              </a:effectLst>
-            </p:spPr>
-          </p:pic>
-        </mc:Fallback>
-      </mc:AlternateContent>
-      <p:sp>
-        <p:nvSpPr>
-          <p:cNvPr id="22" name="Triangle 21">
-            <a:extLst>
-              <a:ext uri="{FF2B5EF4-FFF2-40B4-BE49-F238E27FC236}">
-                <a16:creationId xmlns:a16="http://schemas.microsoft.com/office/drawing/2014/main" id="{4A946DF9-310D-3634-4953-82AE4F351A1E}"/>
-              </a:ext>
-            </a:extLst>
-          </p:cNvPr>
-          <p:cNvSpPr/>
-          <p:nvPr/>
-        </p:nvSpPr>
-        <p:spPr>
-          <a:xfrm>
-            <a:off x="-1" y="0"/>
-            <a:ext cx="7200000" cy="6235200"/>
-          </a:xfrm>
-          <a:prstGeom prst="triangle">
-            <a:avLst/>
-          </a:prstGeom>
-          <a:noFill/>
-          <a:ln w="12700">
-            <a:solidFill>
-              <a:schemeClr val="tx1"/>
-            </a:solidFill>
-          </a:ln>
-        </p:spPr>
-        <p:style>
-          <a:lnRef idx="2">
-            <a:schemeClr val="accent1">
-              <a:shade val="50000"/>
-            </a:schemeClr>
-          </a:lnRef>
-          <a:fillRef idx="1">
-            <a:schemeClr val="accent1"/>
-          </a:fillRef>
-          <a:effectRef idx="0">
-            <a:schemeClr val="accent1"/>
-          </a:effectRef>
-          <a:fontRef idx="minor">
-            <a:schemeClr val="lt1"/>
-          </a:fontRef>
-        </p:style>
-        <p:txBody>
-          <a:bodyPr rtlCol="0" anchor="ctr"/>
-          <a:lstStyle/>
-          <a:p>
-            <a:pPr algn="ctr"/>
-            <a:endParaRPr lang="en-GB"/>
-          </a:p>
-        </p:txBody>
-      </p:sp>
-      <mc:AlternateContent xmlns:mc="http://schemas.openxmlformats.org/markup-compatibility/2006" xmlns:pslz="http://schemas.microsoft.com/office/powerpoint/2016/slidezoom">
-        <mc:Choice Requires="pslz">
-          <p:graphicFrame>
-            <p:nvGraphicFramePr>
-              <p:cNvPr id="7" name="Slide Zoom 6">
-                <a:extLst>
-                  <a:ext uri="{FF2B5EF4-FFF2-40B4-BE49-F238E27FC236}">
-                    <a16:creationId xmlns:a16="http://schemas.microsoft.com/office/drawing/2014/main" id="{5377FB00-507B-06DD-B4C5-DC7F093B5523}"/>
-                  </a:ext>
-                </a:extLst>
-              </p:cNvPr>
-              <p:cNvGraphicFramePr>
-                <a:graphicFrameLocks noChangeAspect="1"/>
-              </p:cNvGraphicFramePr>
-              <p:nvPr>
-                <p:extLst>
-                  <p:ext uri="{D42A27DB-BD31-4B8C-83A1-F6EECF244321}">
-                    <p14:modId xmlns:p14="http://schemas.microsoft.com/office/powerpoint/2010/main" val="709928844"/>
-                  </p:ext>
-                </p:extLst>
-              </p:nvPr>
-            </p:nvGraphicFramePr>
-            <p:xfrm>
-              <a:off x="2249313" y="0"/>
-              <a:ext cx="2700000" cy="2338613"/>
-            </p:xfrm>
-            <a:graphic>
-              <a:graphicData uri="http://schemas.microsoft.com/office/powerpoint/2016/slidezoom">
-                <pslz:sldZm>
-                  <pslz:sldZmObj sldId="256" cId="2464987212">
-                    <pslz:zmPr id="{550B9FE4-A4E3-6E43-8434-7F7F244B4ABF}" returnToParent="0" transitionDur="1000" showBg="0">
-                      <p166:blipFill xmlns:p166="http://schemas.microsoft.com/office/powerpoint/2016/6/main">
-                        <a:blip r:embed="rId7"/>
-                        <a:stretch>
-                          <a:fillRect/>
-                        </a:stretch>
-                      </p166:blipFill>
-                      <p166:spPr xmlns:p166="http://schemas.microsoft.com/office/powerpoint/2016/6/main">
-                        <a:xfrm>
-                          <a:off x="0" y="0"/>
-                          <a:ext cx="2700000" cy="2338613"/>
-                        </a:xfrm>
-                        <a:prstGeom prst="rect">
-                          <a:avLst/>
-                        </a:prstGeom>
-                        <a:effectLst>
-                          <a:glow>
-                            <a:schemeClr val="tx1"/>
-                          </a:glow>
-                        </a:effectLst>
-                      </p166:spPr>
-                    </pslz:zmPr>
-                  </pslz:sldZmObj>
-                </pslz:sldZm>
-              </a:graphicData>
-            </a:graphic>
-          </p:graphicFrame>
-        </mc:Choice>
-        <mc:Fallback xmlns="">
-          <p:pic>
-            <p:nvPicPr>
-              <p:cNvPr id="7" name="Slide Zoom 6">
-                <a:hlinkClick r:id="rId3" action="ppaction://hlinksldjump"/>
-                <a:extLst>
-                  <a:ext uri="{FF2B5EF4-FFF2-40B4-BE49-F238E27FC236}">
-                    <a16:creationId xmlns:a16="http://schemas.microsoft.com/office/drawing/2014/main" id="{5377FB00-507B-06DD-B4C5-DC7F093B5523}"/>
-                  </a:ext>
-                </a:extLst>
-              </p:cNvPr>
-              <p:cNvPicPr>
-                <a:picLocks noGrp="1" noRot="1" noChangeAspect="1" noMove="1" noResize="1" noEditPoints="1" noAdjustHandles="1" noChangeArrowheads="1" noChangeShapeType="1"/>
-              </p:cNvPicPr>
-              <p:nvPr/>
-            </p:nvPicPr>
-            <p:blipFill>
-              <a:blip r:embed="rId8"/>
-              <a:stretch>
-                <a:fillRect/>
-              </a:stretch>
-            </p:blipFill>
-            <p:spPr>
-              <a:xfrm>
-                <a:off x="2249313" y="0"/>
-                <a:ext cx="2700000" cy="2338613"/>
-              </a:xfrm>
-              <a:prstGeom prst="rect">
-                <a:avLst/>
-              </a:prstGeom>
-              <a:effectLst>
-                <a:glow>
-                  <a:schemeClr val="tx1"/>
-                </a:glow>
-              </a:effectLst>
-            </p:spPr>
-          </p:pic>
-        </mc:Fallback>
-      </mc:AlternateContent>
-      <mc:AlternateContent xmlns:mc="http://schemas.openxmlformats.org/markup-compatibility/2006" xmlns:pslz="http://schemas.microsoft.com/office/powerpoint/2016/slidezoom">
-        <mc:Choice Requires="pslz">
-          <p:graphicFrame>
-            <p:nvGraphicFramePr>
-              <p:cNvPr id="2" name="Slide Zoom 1">
-                <a:extLst>
-                  <a:ext uri="{FF2B5EF4-FFF2-40B4-BE49-F238E27FC236}">
-                    <a16:creationId xmlns:a16="http://schemas.microsoft.com/office/drawing/2014/main" id="{3A013D21-2EC5-77B1-20C9-F4C644048E5F}"/>
-                  </a:ext>
-                </a:extLst>
-              </p:cNvPr>
-              <p:cNvGraphicFramePr>
-                <a:graphicFrameLocks noChangeAspect="1"/>
-              </p:cNvGraphicFramePr>
-              <p:nvPr>
-                <p:extLst>
-                  <p:ext uri="{D42A27DB-BD31-4B8C-83A1-F6EECF244321}">
-                    <p14:modId xmlns:p14="http://schemas.microsoft.com/office/powerpoint/2010/main" val="1598915256"/>
-                  </p:ext>
-                </p:extLst>
-              </p:nvPr>
-            </p:nvGraphicFramePr>
-            <p:xfrm>
-              <a:off x="2698394" y="4670644"/>
-              <a:ext cx="1800000" cy="1559074"/>
-            </p:xfrm>
-            <a:graphic>
-              <a:graphicData uri="http://schemas.microsoft.com/office/powerpoint/2016/slidezoom">
-                <pslz:sldZm>
-                  <pslz:sldZmObj sldId="256" cId="2464987212">
-                    <pslz:zmPr id="{550B9FE4-A4E3-6E43-8434-7F7F244B4ABF}" returnToParent="0" transitionDur="1000" showBg="0">
-                      <p166:blipFill xmlns:p166="http://schemas.microsoft.com/office/powerpoint/2016/6/main">
-                        <a:blip r:embed="rId9"/>
-                        <a:stretch>
-                          <a:fillRect/>
-                        </a:stretch>
-                      </p166:blipFill>
-                      <p166:spPr xmlns:p166="http://schemas.microsoft.com/office/powerpoint/2016/6/main">
-                        <a:xfrm>
-                          <a:off x="0" y="0"/>
-                          <a:ext cx="1800000" cy="1559074"/>
-                        </a:xfrm>
-                        <a:prstGeom prst="rect">
-                          <a:avLst/>
-                        </a:prstGeom>
-                        <a:effectLst>
-                          <a:glow>
-                            <a:schemeClr val="tx1"/>
-                          </a:glow>
-                        </a:effectLst>
-                      </p166:spPr>
-                    </pslz:zmPr>
-                  </pslz:sldZmObj>
-                </pslz:sldZm>
-              </a:graphicData>
-            </a:graphic>
-          </p:graphicFrame>
-        </mc:Choice>
-        <mc:Fallback xmlns="">
-          <p:pic>
-            <p:nvPicPr>
-              <p:cNvPr id="2" name="Slide Zoom 1">
-                <a:hlinkClick r:id="rId3" action="ppaction://hlinksldjump"/>
-                <a:extLst>
-                  <a:ext uri="{FF2B5EF4-FFF2-40B4-BE49-F238E27FC236}">
-                    <a16:creationId xmlns:a16="http://schemas.microsoft.com/office/drawing/2014/main" id="{3A013D21-2EC5-77B1-20C9-F4C644048E5F}"/>
-                  </a:ext>
-                </a:extLst>
-              </p:cNvPr>
-              <p:cNvPicPr>
-                <a:picLocks noGrp="1" noRot="1" noChangeAspect="1" noMove="1" noResize="1" noEditPoints="1" noAdjustHandles="1" noChangeArrowheads="1" noChangeShapeType="1"/>
-              </p:cNvPicPr>
-              <p:nvPr/>
-            </p:nvPicPr>
-            <p:blipFill>
-              <a:blip r:embed="rId10"/>
-              <a:stretch>
-                <a:fillRect/>
-              </a:stretch>
-            </p:blipFill>
-            <p:spPr>
-              <a:xfrm>
-                <a:off x="2698394" y="4670644"/>
-                <a:ext cx="1800000" cy="1559074"/>
-              </a:xfrm>
-              <a:prstGeom prst="rect">
-                <a:avLst/>
-              </a:prstGeom>
-              <a:effectLst>
-                <a:glow>
-                  <a:schemeClr val="tx1"/>
-                </a:glow>
-              </a:effectLst>
-            </p:spPr>
-          </p:pic>
-        </mc:Fallback>
-      </mc:AlternateContent>
-      <mc:AlternateContent xmlns:mc="http://schemas.openxmlformats.org/markup-compatibility/2006" xmlns:pslz="http://schemas.microsoft.com/office/powerpoint/2016/slidezoom">
-        <mc:Choice Requires="pslz">
-          <p:graphicFrame>
-            <p:nvGraphicFramePr>
-              <p:cNvPr id="3" name="Slide Zoom 2">
-                <a:extLst>
-                  <a:ext uri="{FF2B5EF4-FFF2-40B4-BE49-F238E27FC236}">
-                    <a16:creationId xmlns:a16="http://schemas.microsoft.com/office/drawing/2014/main" id="{2DC35B99-716F-1BF2-AEC0-8B8863C316C6}"/>
-                  </a:ext>
-                </a:extLst>
-              </p:cNvPr>
-              <p:cNvGraphicFramePr>
-                <a:graphicFrameLocks noChangeAspect="1"/>
-              </p:cNvGraphicFramePr>
-              <p:nvPr>
-                <p:extLst>
-                  <p:ext uri="{D42A27DB-BD31-4B8C-83A1-F6EECF244321}">
-                    <p14:modId xmlns:p14="http://schemas.microsoft.com/office/powerpoint/2010/main" val="817261127"/>
-                  </p:ext>
-                </p:extLst>
-              </p:nvPr>
-            </p:nvGraphicFramePr>
-            <p:xfrm>
-              <a:off x="1348627" y="2335322"/>
-              <a:ext cx="1800000" cy="1559074"/>
-            </p:xfrm>
-            <a:graphic>
-              <a:graphicData uri="http://schemas.microsoft.com/office/powerpoint/2016/slidezoom">
-                <pslz:sldZm>
-                  <pslz:sldZmObj sldId="256" cId="2464987212">
-                    <pslz:zmPr id="{550B9FE4-A4E3-6E43-8434-7F7F244B4ABF}" returnToParent="0" transitionDur="1000" showBg="0">
-                      <p166:blipFill xmlns:p166="http://schemas.microsoft.com/office/powerpoint/2016/6/main">
-                        <a:blip r:embed="rId11"/>
-                        <a:stretch>
-                          <a:fillRect/>
-                        </a:stretch>
-                      </p166:blipFill>
-                      <p166:spPr xmlns:p166="http://schemas.microsoft.com/office/powerpoint/2016/6/main">
-                        <a:xfrm>
-                          <a:off x="0" y="0"/>
-                          <a:ext cx="1800000" cy="1559074"/>
-                        </a:xfrm>
-                        <a:prstGeom prst="rect">
-                          <a:avLst/>
-                        </a:prstGeom>
-                        <a:effectLst>
-                          <a:glow>
-                            <a:schemeClr val="tx1"/>
-                          </a:glow>
-                        </a:effectLst>
-                      </p166:spPr>
-                    </pslz:zmPr>
-                  </pslz:sldZmObj>
-                </pslz:sldZm>
-              </a:graphicData>
-            </a:graphic>
-          </p:graphicFrame>
-        </mc:Choice>
-        <mc:Fallback xmlns="">
-          <p:pic>
-            <p:nvPicPr>
-              <p:cNvPr id="3" name="Slide Zoom 2">
-                <a:hlinkClick r:id="rId3" action="ppaction://hlinksldjump"/>
-                <a:extLst>
-                  <a:ext uri="{FF2B5EF4-FFF2-40B4-BE49-F238E27FC236}">
-                    <a16:creationId xmlns:a16="http://schemas.microsoft.com/office/drawing/2014/main" id="{2DC35B99-716F-1BF2-AEC0-8B8863C316C6}"/>
-                  </a:ext>
-                </a:extLst>
-              </p:cNvPr>
-              <p:cNvPicPr>
-                <a:picLocks noGrp="1" noRot="1" noChangeAspect="1" noMove="1" noResize="1" noEditPoints="1" noAdjustHandles="1" noChangeArrowheads="1" noChangeShapeType="1"/>
-              </p:cNvPicPr>
-              <p:nvPr/>
-            </p:nvPicPr>
-            <p:blipFill>
-              <a:blip r:embed="rId10"/>
-              <a:stretch>
-                <a:fillRect/>
-              </a:stretch>
-            </p:blipFill>
-            <p:spPr>
-              <a:xfrm>
-                <a:off x="1348627" y="2335322"/>
-                <a:ext cx="1800000" cy="1559074"/>
-              </a:xfrm>
-              <a:prstGeom prst="rect">
-                <a:avLst/>
-              </a:prstGeom>
-              <a:effectLst>
-                <a:glow>
-                  <a:schemeClr val="tx1"/>
-                </a:glow>
-              </a:effectLst>
-            </p:spPr>
-          </p:pic>
-        </mc:Fallback>
-      </mc:AlternateContent>
-      <mc:AlternateContent xmlns:mc="http://schemas.openxmlformats.org/markup-compatibility/2006" xmlns:pslz="http://schemas.microsoft.com/office/powerpoint/2016/slidezoom">
-        <mc:Choice Requires="pslz">
-          <p:graphicFrame>
-            <p:nvGraphicFramePr>
-              <p:cNvPr id="4" name="Slide Zoom 3">
-                <a:extLst>
-                  <a:ext uri="{FF2B5EF4-FFF2-40B4-BE49-F238E27FC236}">
-                    <a16:creationId xmlns:a16="http://schemas.microsoft.com/office/drawing/2014/main" id="{093DD6EA-D643-0120-107E-6978AFC119D6}"/>
-                  </a:ext>
-                </a:extLst>
-              </p:cNvPr>
-              <p:cNvGraphicFramePr>
-                <a:graphicFrameLocks noChangeAspect="1"/>
-              </p:cNvGraphicFramePr>
-              <p:nvPr>
-                <p:extLst>
-                  <p:ext uri="{D42A27DB-BD31-4B8C-83A1-F6EECF244321}">
-                    <p14:modId xmlns:p14="http://schemas.microsoft.com/office/powerpoint/2010/main" val="1473685353"/>
-                  </p:ext>
-                </p:extLst>
-              </p:nvPr>
-            </p:nvGraphicFramePr>
-            <p:xfrm>
-              <a:off x="4047255" y="2335322"/>
-              <a:ext cx="1800000" cy="1559074"/>
-            </p:xfrm>
-            <a:graphic>
-              <a:graphicData uri="http://schemas.microsoft.com/office/powerpoint/2016/slidezoom">
-                <pslz:sldZm>
-                  <pslz:sldZmObj sldId="256" cId="2464987212">
-                    <pslz:zmPr id="{550B9FE4-A4E3-6E43-8434-7F7F244B4ABF}" returnToParent="0" transitionDur="1000" showBg="0">
-                      <p166:blipFill xmlns:p166="http://schemas.microsoft.com/office/powerpoint/2016/6/main">
-                        <a:blip r:embed="rId12"/>
-                        <a:stretch>
-                          <a:fillRect/>
-                        </a:stretch>
-                      </p166:blipFill>
-                      <p166:spPr xmlns:p166="http://schemas.microsoft.com/office/powerpoint/2016/6/main">
-                        <a:xfrm>
-                          <a:off x="0" y="0"/>
-                          <a:ext cx="1800000" cy="1559074"/>
-                        </a:xfrm>
-                        <a:prstGeom prst="rect">
-                          <a:avLst/>
-                        </a:prstGeom>
-                        <a:effectLst>
-                          <a:glow>
-                            <a:schemeClr val="tx1"/>
-                          </a:glow>
-                        </a:effectLst>
-                      </p166:spPr>
-                    </pslz:zmPr>
-                  </pslz:sldZmObj>
-                </pslz:sldZm>
-              </a:graphicData>
-            </a:graphic>
-          </p:graphicFrame>
-        </mc:Choice>
-        <mc:Fallback xmlns="">
-          <p:pic>
-            <p:nvPicPr>
-              <p:cNvPr id="4" name="Slide Zoom 3">
-                <a:hlinkClick r:id="rId3" action="ppaction://hlinksldjump"/>
-                <a:extLst>
-                  <a:ext uri="{FF2B5EF4-FFF2-40B4-BE49-F238E27FC236}">
-                    <a16:creationId xmlns:a16="http://schemas.microsoft.com/office/drawing/2014/main" id="{093DD6EA-D643-0120-107E-6978AFC119D6}"/>
-                  </a:ext>
-                </a:extLst>
-              </p:cNvPr>
-              <p:cNvPicPr>
-                <a:picLocks noGrp="1" noRot="1" noChangeAspect="1" noMove="1" noResize="1" noEditPoints="1" noAdjustHandles="1" noChangeArrowheads="1" noChangeShapeType="1"/>
-              </p:cNvPicPr>
-              <p:nvPr/>
-            </p:nvPicPr>
-            <p:blipFill>
-              <a:blip r:embed="rId10"/>
-              <a:stretch>
-                <a:fillRect/>
-              </a:stretch>
-            </p:blipFill>
-            <p:spPr>
-              <a:xfrm>
-                <a:off x="4047255" y="2335322"/>
-                <a:ext cx="1800000" cy="1559074"/>
+                <a:off x="0" y="4988441"/>
+                <a:ext cx="1440000" cy="1247259"/>
               </a:xfrm>
               <a:prstGeom prst="rect">
                 <a:avLst/>
@@ -3612,7 +3511,7 @@
               <p:cNvPr id="8" name="Slide Zoom 7">
                 <a:extLst>
                   <a:ext uri="{FF2B5EF4-FFF2-40B4-BE49-F238E27FC236}">
-                    <a16:creationId xmlns:a16="http://schemas.microsoft.com/office/drawing/2014/main" id="{B4CB5699-9B48-A4F8-B6B4-75B1998ABCA9}"/>
+                    <a16:creationId xmlns:a16="http://schemas.microsoft.com/office/drawing/2014/main" id="{AC22A737-6D38-7BC3-F659-A2D297C47B4B}"/>
                   </a:ext>
                 </a:extLst>
               </p:cNvPr>
@@ -3622,14 +3521,14 @@
               <p:nvPr>
                 <p:extLst>
                   <p:ext uri="{D42A27DB-BD31-4B8C-83A1-F6EECF244321}">
-                    <p14:modId xmlns:p14="http://schemas.microsoft.com/office/powerpoint/2010/main" val="1808946009"/>
+                    <p14:modId xmlns:p14="http://schemas.microsoft.com/office/powerpoint/2010/main" val="1405227683"/>
                   </p:ext>
                 </p:extLst>
               </p:nvPr>
             </p:nvGraphicFramePr>
-            <p:xfrm rot="10800000">
-              <a:off x="3153425" y="3889609"/>
-              <a:ext cx="889874" cy="770766"/>
+            <p:xfrm>
+              <a:off x="1440000" y="4988440"/>
+              <a:ext cx="1440000" cy="1247259"/>
             </p:xfrm>
             <a:graphic>
               <a:graphicData uri="http://schemas.microsoft.com/office/powerpoint/2016/slidezoom">
@@ -3637,15 +3536,15 @@
                   <pslz:sldZmObj sldId="256" cId="2464987212">
                     <pslz:zmPr id="{550B9FE4-A4E3-6E43-8434-7F7F244B4ABF}" returnToParent="0" transitionDur="1000" showBg="0">
                       <p166:blipFill xmlns:p166="http://schemas.microsoft.com/office/powerpoint/2016/6/main">
-                        <a:blip r:embed="rId13"/>
+                        <a:blip r:embed="rId6"/>
                         <a:stretch>
                           <a:fillRect/>
                         </a:stretch>
                       </p166:blipFill>
                       <p166:spPr xmlns:p166="http://schemas.microsoft.com/office/powerpoint/2016/6/main">
-                        <a:xfrm rot="10800000">
+                        <a:xfrm>
                           <a:off x="0" y="0"/>
-                          <a:ext cx="889874" cy="770766"/>
+                          <a:ext cx="1440000" cy="1247259"/>
                         </a:xfrm>
                         <a:prstGeom prst="rect">
                           <a:avLst/>
@@ -3667,10 +3566,10 @@
           <p:pic>
             <p:nvPicPr>
               <p:cNvPr id="8" name="Slide Zoom 7">
-                <a:hlinkClick r:id="rId3" action="ppaction://hlinksldjump"/>
+                <a:hlinkClick r:id="rId4" action="ppaction://hlinksldjump"/>
                 <a:extLst>
                   <a:ext uri="{FF2B5EF4-FFF2-40B4-BE49-F238E27FC236}">
-                    <a16:creationId xmlns:a16="http://schemas.microsoft.com/office/drawing/2014/main" id="{B4CB5699-9B48-A4F8-B6B4-75B1998ABCA9}"/>
+                    <a16:creationId xmlns:a16="http://schemas.microsoft.com/office/drawing/2014/main" id="{AC22A737-6D38-7BC3-F659-A2D297C47B4B}"/>
                   </a:ext>
                 </a:extLst>
               </p:cNvPr>
@@ -3680,15 +3579,1082 @@
               <p:nvPr/>
             </p:nvPicPr>
             <p:blipFill>
-              <a:blip r:embed="rId10"/>
+              <a:blip r:embed="rId7"/>
+              <a:stretch>
+                <a:fillRect/>
+              </a:stretch>
+            </p:blipFill>
+            <p:spPr>
+              <a:xfrm>
+                <a:off x="1440000" y="4988440"/>
+                <a:ext cx="1440000" cy="1247259"/>
+              </a:xfrm>
+              <a:prstGeom prst="rect">
+                <a:avLst/>
+              </a:prstGeom>
+              <a:effectLst>
+                <a:glow>
+                  <a:schemeClr val="tx1"/>
+                </a:glow>
+              </a:effectLst>
+            </p:spPr>
+          </p:pic>
+        </mc:Fallback>
+      </mc:AlternateContent>
+      <mc:AlternateContent xmlns:mc="http://schemas.openxmlformats.org/markup-compatibility/2006" xmlns:pslz="http://schemas.microsoft.com/office/powerpoint/2016/slidezoom">
+        <mc:Choice Requires="pslz">
+          <p:graphicFrame>
+            <p:nvGraphicFramePr>
+              <p:cNvPr id="9" name="Slide Zoom 8">
+                <a:extLst>
+                  <a:ext uri="{FF2B5EF4-FFF2-40B4-BE49-F238E27FC236}">
+                    <a16:creationId xmlns:a16="http://schemas.microsoft.com/office/drawing/2014/main" id="{6CE06B1B-95BF-EC1F-18DE-3CCBEE9C01D7}"/>
+                  </a:ext>
+                </a:extLst>
+              </p:cNvPr>
+              <p:cNvGraphicFramePr>
+                <a:graphicFrameLocks noChangeAspect="1"/>
+              </p:cNvGraphicFramePr>
+              <p:nvPr>
+                <p:extLst>
+                  <p:ext uri="{D42A27DB-BD31-4B8C-83A1-F6EECF244321}">
+                    <p14:modId xmlns:p14="http://schemas.microsoft.com/office/powerpoint/2010/main" val="1707066093"/>
+                  </p:ext>
+                </p:extLst>
+              </p:nvPr>
+            </p:nvGraphicFramePr>
+            <p:xfrm>
+              <a:off x="2879314" y="4988441"/>
+              <a:ext cx="1440000" cy="1247259"/>
+            </p:xfrm>
+            <a:graphic>
+              <a:graphicData uri="http://schemas.microsoft.com/office/powerpoint/2016/slidezoom">
+                <pslz:sldZm>
+                  <pslz:sldZmObj sldId="256" cId="2464987212">
+                    <pslz:zmPr id="{550B9FE4-A4E3-6E43-8434-7F7F244B4ABF}" returnToParent="0" transitionDur="1000" showBg="0">
+                      <p166:blipFill xmlns:p166="http://schemas.microsoft.com/office/powerpoint/2016/6/main">
+                        <a:blip r:embed="rId8"/>
+                        <a:stretch>
+                          <a:fillRect/>
+                        </a:stretch>
+                      </p166:blipFill>
+                      <p166:spPr xmlns:p166="http://schemas.microsoft.com/office/powerpoint/2016/6/main">
+                        <a:xfrm>
+                          <a:off x="0" y="0"/>
+                          <a:ext cx="1440000" cy="1247259"/>
+                        </a:xfrm>
+                        <a:prstGeom prst="rect">
+                          <a:avLst/>
+                        </a:prstGeom>
+                        <a:effectLst>
+                          <a:glow>
+                            <a:schemeClr val="tx1"/>
+                          </a:glow>
+                        </a:effectLst>
+                      </p166:spPr>
+                    </pslz:zmPr>
+                  </pslz:sldZmObj>
+                </pslz:sldZm>
+              </a:graphicData>
+            </a:graphic>
+          </p:graphicFrame>
+        </mc:Choice>
+        <mc:Fallback xmlns="">
+          <p:pic>
+            <p:nvPicPr>
+              <p:cNvPr id="9" name="Slide Zoom 8">
+                <a:hlinkClick r:id="rId4" action="ppaction://hlinksldjump"/>
+                <a:extLst>
+                  <a:ext uri="{FF2B5EF4-FFF2-40B4-BE49-F238E27FC236}">
+                    <a16:creationId xmlns:a16="http://schemas.microsoft.com/office/drawing/2014/main" id="{6CE06B1B-95BF-EC1F-18DE-3CCBEE9C01D7}"/>
+                  </a:ext>
+                </a:extLst>
+              </p:cNvPr>
+              <p:cNvPicPr>
+                <a:picLocks noGrp="1" noRot="1" noChangeAspect="1" noMove="1" noResize="1" noEditPoints="1" noAdjustHandles="1" noChangeArrowheads="1" noChangeShapeType="1"/>
+              </p:cNvPicPr>
+              <p:nvPr/>
+            </p:nvPicPr>
+            <p:blipFill>
+              <a:blip r:embed="rId9"/>
+              <a:stretch>
+                <a:fillRect/>
+              </a:stretch>
+            </p:blipFill>
+            <p:spPr>
+              <a:xfrm>
+                <a:off x="2879314" y="4988441"/>
+                <a:ext cx="1440000" cy="1247259"/>
+              </a:xfrm>
+              <a:prstGeom prst="rect">
+                <a:avLst/>
+              </a:prstGeom>
+              <a:effectLst>
+                <a:glow>
+                  <a:schemeClr val="tx1"/>
+                </a:glow>
+              </a:effectLst>
+            </p:spPr>
+          </p:pic>
+        </mc:Fallback>
+      </mc:AlternateContent>
+      <mc:AlternateContent xmlns:mc="http://schemas.openxmlformats.org/markup-compatibility/2006" xmlns:pslz="http://schemas.microsoft.com/office/powerpoint/2016/slidezoom">
+        <mc:Choice Requires="pslz">
+          <p:graphicFrame>
+            <p:nvGraphicFramePr>
+              <p:cNvPr id="11" name="Slide Zoom 10">
+                <a:extLst>
+                  <a:ext uri="{FF2B5EF4-FFF2-40B4-BE49-F238E27FC236}">
+                    <a16:creationId xmlns:a16="http://schemas.microsoft.com/office/drawing/2014/main" id="{182D9AEA-454D-9995-5530-8DCD2DEEAB89}"/>
+                  </a:ext>
+                </a:extLst>
+              </p:cNvPr>
+              <p:cNvGraphicFramePr>
+                <a:graphicFrameLocks noChangeAspect="1"/>
+              </p:cNvGraphicFramePr>
+              <p:nvPr>
+                <p:extLst>
+                  <p:ext uri="{D42A27DB-BD31-4B8C-83A1-F6EECF244321}">
+                    <p14:modId xmlns:p14="http://schemas.microsoft.com/office/powerpoint/2010/main" val="7260550"/>
+                  </p:ext>
+                </p:extLst>
+              </p:nvPr>
+            </p:nvGraphicFramePr>
+            <p:xfrm>
+              <a:off x="4320000" y="4988439"/>
+              <a:ext cx="1440000" cy="1247259"/>
+            </p:xfrm>
+            <a:graphic>
+              <a:graphicData uri="http://schemas.microsoft.com/office/powerpoint/2016/slidezoom">
+                <pslz:sldZm>
+                  <pslz:sldZmObj sldId="256" cId="2464987212">
+                    <pslz:zmPr id="{550B9FE4-A4E3-6E43-8434-7F7F244B4ABF}" returnToParent="0" transitionDur="1000" showBg="0">
+                      <p166:blipFill xmlns:p166="http://schemas.microsoft.com/office/powerpoint/2016/6/main">
+                        <a:blip r:embed="rId10"/>
+                        <a:stretch>
+                          <a:fillRect/>
+                        </a:stretch>
+                      </p166:blipFill>
+                      <p166:spPr xmlns:p166="http://schemas.microsoft.com/office/powerpoint/2016/6/main">
+                        <a:xfrm>
+                          <a:off x="0" y="0"/>
+                          <a:ext cx="1440000" cy="1247259"/>
+                        </a:xfrm>
+                        <a:prstGeom prst="rect">
+                          <a:avLst/>
+                        </a:prstGeom>
+                        <a:effectLst>
+                          <a:glow>
+                            <a:schemeClr val="tx1"/>
+                          </a:glow>
+                        </a:effectLst>
+                      </p166:spPr>
+                    </pslz:zmPr>
+                  </pslz:sldZmObj>
+                </pslz:sldZm>
+              </a:graphicData>
+            </a:graphic>
+          </p:graphicFrame>
+        </mc:Choice>
+        <mc:Fallback xmlns="">
+          <p:pic>
+            <p:nvPicPr>
+              <p:cNvPr id="11" name="Slide Zoom 10">
+                <a:hlinkClick r:id="rId4" action="ppaction://hlinksldjump"/>
+                <a:extLst>
+                  <a:ext uri="{FF2B5EF4-FFF2-40B4-BE49-F238E27FC236}">
+                    <a16:creationId xmlns:a16="http://schemas.microsoft.com/office/drawing/2014/main" id="{182D9AEA-454D-9995-5530-8DCD2DEEAB89}"/>
+                  </a:ext>
+                </a:extLst>
+              </p:cNvPr>
+              <p:cNvPicPr>
+                <a:picLocks noGrp="1" noRot="1" noChangeAspect="1" noMove="1" noResize="1" noEditPoints="1" noAdjustHandles="1" noChangeArrowheads="1" noChangeShapeType="1"/>
+              </p:cNvPicPr>
+              <p:nvPr/>
+            </p:nvPicPr>
+            <p:blipFill>
+              <a:blip r:embed="rId11"/>
+              <a:stretch>
+                <a:fillRect/>
+              </a:stretch>
+            </p:blipFill>
+            <p:spPr>
+              <a:xfrm>
+                <a:off x="4320000" y="4988439"/>
+                <a:ext cx="1440000" cy="1247259"/>
+              </a:xfrm>
+              <a:prstGeom prst="rect">
+                <a:avLst/>
+              </a:prstGeom>
+              <a:effectLst>
+                <a:glow>
+                  <a:schemeClr val="tx1"/>
+                </a:glow>
+              </a:effectLst>
+            </p:spPr>
+          </p:pic>
+        </mc:Fallback>
+      </mc:AlternateContent>
+      <mc:AlternateContent xmlns:mc="http://schemas.openxmlformats.org/markup-compatibility/2006" xmlns:pslz="http://schemas.microsoft.com/office/powerpoint/2016/slidezoom">
+        <mc:Choice Requires="pslz">
+          <p:graphicFrame>
+            <p:nvGraphicFramePr>
+              <p:cNvPr id="12" name="Slide Zoom 11">
+                <a:extLst>
+                  <a:ext uri="{FF2B5EF4-FFF2-40B4-BE49-F238E27FC236}">
+                    <a16:creationId xmlns:a16="http://schemas.microsoft.com/office/drawing/2014/main" id="{33A5F99A-7607-E28B-C334-C87F6F322736}"/>
+                  </a:ext>
+                </a:extLst>
+              </p:cNvPr>
+              <p:cNvGraphicFramePr>
+                <a:graphicFrameLocks noChangeAspect="1"/>
+              </p:cNvGraphicFramePr>
+              <p:nvPr>
+                <p:extLst>
+                  <p:ext uri="{D42A27DB-BD31-4B8C-83A1-F6EECF244321}">
+                    <p14:modId xmlns:p14="http://schemas.microsoft.com/office/powerpoint/2010/main" val="1772748490"/>
+                  </p:ext>
+                </p:extLst>
+              </p:nvPr>
+            </p:nvGraphicFramePr>
+            <p:xfrm>
+              <a:off x="5759313" y="4988441"/>
+              <a:ext cx="1440000" cy="1247259"/>
+            </p:xfrm>
+            <a:graphic>
+              <a:graphicData uri="http://schemas.microsoft.com/office/powerpoint/2016/slidezoom">
+                <pslz:sldZm>
+                  <pslz:sldZmObj sldId="256" cId="2464987212">
+                    <pslz:zmPr id="{550B9FE4-A4E3-6E43-8434-7F7F244B4ABF}" returnToParent="0" transitionDur="1000" showBg="0">
+                      <p166:blipFill xmlns:p166="http://schemas.microsoft.com/office/powerpoint/2016/6/main">
+                        <a:blip r:embed="rId12"/>
+                        <a:stretch>
+                          <a:fillRect/>
+                        </a:stretch>
+                      </p166:blipFill>
+                      <p166:spPr xmlns:p166="http://schemas.microsoft.com/office/powerpoint/2016/6/main">
+                        <a:xfrm>
+                          <a:off x="0" y="0"/>
+                          <a:ext cx="1440000" cy="1247259"/>
+                        </a:xfrm>
+                        <a:prstGeom prst="rect">
+                          <a:avLst/>
+                        </a:prstGeom>
+                        <a:effectLst>
+                          <a:glow>
+                            <a:schemeClr val="tx1"/>
+                          </a:glow>
+                        </a:effectLst>
+                      </p166:spPr>
+                    </pslz:zmPr>
+                  </pslz:sldZmObj>
+                </pslz:sldZm>
+              </a:graphicData>
+            </a:graphic>
+          </p:graphicFrame>
+        </mc:Choice>
+        <mc:Fallback xmlns="">
+          <p:pic>
+            <p:nvPicPr>
+              <p:cNvPr id="12" name="Slide Zoom 11">
+                <a:hlinkClick r:id="rId4" action="ppaction://hlinksldjump"/>
+                <a:extLst>
+                  <a:ext uri="{FF2B5EF4-FFF2-40B4-BE49-F238E27FC236}">
+                    <a16:creationId xmlns:a16="http://schemas.microsoft.com/office/drawing/2014/main" id="{33A5F99A-7607-E28B-C334-C87F6F322736}"/>
+                  </a:ext>
+                </a:extLst>
+              </p:cNvPr>
+              <p:cNvPicPr>
+                <a:picLocks noGrp="1" noRot="1" noChangeAspect="1" noMove="1" noResize="1" noEditPoints="1" noAdjustHandles="1" noChangeArrowheads="1" noChangeShapeType="1"/>
+              </p:cNvPicPr>
+              <p:nvPr/>
+            </p:nvPicPr>
+            <p:blipFill>
+              <a:blip r:embed="rId13"/>
+              <a:stretch>
+                <a:fillRect/>
+              </a:stretch>
+            </p:blipFill>
+            <p:spPr>
+              <a:xfrm>
+                <a:off x="5759313" y="4988441"/>
+                <a:ext cx="1440000" cy="1247259"/>
+              </a:xfrm>
+              <a:prstGeom prst="rect">
+                <a:avLst/>
+              </a:prstGeom>
+              <a:effectLst>
+                <a:glow>
+                  <a:schemeClr val="tx1"/>
+                </a:glow>
+              </a:effectLst>
+            </p:spPr>
+          </p:pic>
+        </mc:Fallback>
+      </mc:AlternateContent>
+      <mc:AlternateContent xmlns:mc="http://schemas.openxmlformats.org/markup-compatibility/2006" xmlns:pslz="http://schemas.microsoft.com/office/powerpoint/2016/slidezoom">
+        <mc:Choice Requires="pslz">
+          <p:graphicFrame>
+            <p:nvGraphicFramePr>
+              <p:cNvPr id="13" name="Slide Zoom 12">
+                <a:extLst>
+                  <a:ext uri="{FF2B5EF4-FFF2-40B4-BE49-F238E27FC236}">
+                    <a16:creationId xmlns:a16="http://schemas.microsoft.com/office/drawing/2014/main" id="{27D9EDD6-501C-0748-0C4A-7DAEA0D247BF}"/>
+                  </a:ext>
+                </a:extLst>
+              </p:cNvPr>
+              <p:cNvGraphicFramePr>
+                <a:graphicFrameLocks noChangeAspect="1"/>
+              </p:cNvGraphicFramePr>
+              <p:nvPr>
+                <p:extLst>
+                  <p:ext uri="{D42A27DB-BD31-4B8C-83A1-F6EECF244321}">
+                    <p14:modId xmlns:p14="http://schemas.microsoft.com/office/powerpoint/2010/main" val="3064115886"/>
+                  </p:ext>
+                </p:extLst>
+              </p:nvPr>
+            </p:nvGraphicFramePr>
+            <p:xfrm>
+              <a:off x="719314" y="3741179"/>
+              <a:ext cx="1440000" cy="1247259"/>
+            </p:xfrm>
+            <a:graphic>
+              <a:graphicData uri="http://schemas.microsoft.com/office/powerpoint/2016/slidezoom">
+                <pslz:sldZm>
+                  <pslz:sldZmObj sldId="256" cId="2464987212">
+                    <pslz:zmPr id="{550B9FE4-A4E3-6E43-8434-7F7F244B4ABF}" returnToParent="0" transitionDur="1000" showBg="0">
+                      <p166:blipFill xmlns:p166="http://schemas.microsoft.com/office/powerpoint/2016/6/main">
+                        <a:blip r:embed="rId14"/>
+                        <a:stretch>
+                          <a:fillRect/>
+                        </a:stretch>
+                      </p166:blipFill>
+                      <p166:spPr xmlns:p166="http://schemas.microsoft.com/office/powerpoint/2016/6/main">
+                        <a:xfrm>
+                          <a:off x="0" y="0"/>
+                          <a:ext cx="1440000" cy="1247259"/>
+                        </a:xfrm>
+                        <a:prstGeom prst="rect">
+                          <a:avLst/>
+                        </a:prstGeom>
+                        <a:effectLst>
+                          <a:glow>
+                            <a:schemeClr val="tx1"/>
+                          </a:glow>
+                        </a:effectLst>
+                      </p166:spPr>
+                    </pslz:zmPr>
+                  </pslz:sldZmObj>
+                </pslz:sldZm>
+              </a:graphicData>
+            </a:graphic>
+          </p:graphicFrame>
+        </mc:Choice>
+        <mc:Fallback xmlns="">
+          <p:pic>
+            <p:nvPicPr>
+              <p:cNvPr id="13" name="Slide Zoom 12">
+                <a:hlinkClick r:id="rId4" action="ppaction://hlinksldjump"/>
+                <a:extLst>
+                  <a:ext uri="{FF2B5EF4-FFF2-40B4-BE49-F238E27FC236}">
+                    <a16:creationId xmlns:a16="http://schemas.microsoft.com/office/drawing/2014/main" id="{27D9EDD6-501C-0748-0C4A-7DAEA0D247BF}"/>
+                  </a:ext>
+                </a:extLst>
+              </p:cNvPr>
+              <p:cNvPicPr>
+                <a:picLocks noGrp="1" noRot="1" noChangeAspect="1" noMove="1" noResize="1" noEditPoints="1" noAdjustHandles="1" noChangeArrowheads="1" noChangeShapeType="1"/>
+              </p:cNvPicPr>
+              <p:nvPr/>
+            </p:nvPicPr>
+            <p:blipFill>
+              <a:blip r:embed="rId15"/>
+              <a:stretch>
+                <a:fillRect/>
+              </a:stretch>
+            </p:blipFill>
+            <p:spPr>
+              <a:xfrm>
+                <a:off x="719314" y="3741179"/>
+                <a:ext cx="1440000" cy="1247259"/>
+              </a:xfrm>
+              <a:prstGeom prst="rect">
+                <a:avLst/>
+              </a:prstGeom>
+              <a:effectLst>
+                <a:glow>
+                  <a:schemeClr val="tx1"/>
+                </a:glow>
+              </a:effectLst>
+            </p:spPr>
+          </p:pic>
+        </mc:Fallback>
+      </mc:AlternateContent>
+      <mc:AlternateContent xmlns:mc="http://schemas.openxmlformats.org/markup-compatibility/2006" xmlns:pslz="http://schemas.microsoft.com/office/powerpoint/2016/slidezoom">
+        <mc:Choice Requires="pslz">
+          <p:graphicFrame>
+            <p:nvGraphicFramePr>
+              <p:cNvPr id="16" name="Slide Zoom 15">
+                <a:extLst>
+                  <a:ext uri="{FF2B5EF4-FFF2-40B4-BE49-F238E27FC236}">
+                    <a16:creationId xmlns:a16="http://schemas.microsoft.com/office/drawing/2014/main" id="{0CB2CFB7-C353-FB23-C084-DBCE9FB35A5C}"/>
+                  </a:ext>
+                </a:extLst>
+              </p:cNvPr>
+              <p:cNvGraphicFramePr>
+                <a:graphicFrameLocks noChangeAspect="1"/>
+              </p:cNvGraphicFramePr>
+              <p:nvPr>
+                <p:extLst>
+                  <p:ext uri="{D42A27DB-BD31-4B8C-83A1-F6EECF244321}">
+                    <p14:modId xmlns:p14="http://schemas.microsoft.com/office/powerpoint/2010/main" val="241801297"/>
+                  </p:ext>
+                </p:extLst>
+              </p:nvPr>
+            </p:nvGraphicFramePr>
+            <p:xfrm>
+              <a:off x="5039314" y="3741177"/>
+              <a:ext cx="1440000" cy="1247259"/>
+            </p:xfrm>
+            <a:graphic>
+              <a:graphicData uri="http://schemas.microsoft.com/office/powerpoint/2016/slidezoom">
+                <pslz:sldZm>
+                  <pslz:sldZmObj sldId="256" cId="2464987212">
+                    <pslz:zmPr id="{550B9FE4-A4E3-6E43-8434-7F7F244B4ABF}" returnToParent="0" transitionDur="1000" showBg="0">
+                      <p166:blipFill xmlns:p166="http://schemas.microsoft.com/office/powerpoint/2016/6/main">
+                        <a:blip r:embed="rId16"/>
+                        <a:stretch>
+                          <a:fillRect/>
+                        </a:stretch>
+                      </p166:blipFill>
+                      <p166:spPr xmlns:p166="http://schemas.microsoft.com/office/powerpoint/2016/6/main">
+                        <a:xfrm>
+                          <a:off x="0" y="0"/>
+                          <a:ext cx="1440000" cy="1247259"/>
+                        </a:xfrm>
+                        <a:prstGeom prst="rect">
+                          <a:avLst/>
+                        </a:prstGeom>
+                        <a:effectLst>
+                          <a:glow>
+                            <a:schemeClr val="tx1"/>
+                          </a:glow>
+                        </a:effectLst>
+                      </p166:spPr>
+                    </pslz:zmPr>
+                  </pslz:sldZmObj>
+                </pslz:sldZm>
+              </a:graphicData>
+            </a:graphic>
+          </p:graphicFrame>
+        </mc:Choice>
+        <mc:Fallback xmlns="">
+          <p:pic>
+            <p:nvPicPr>
+              <p:cNvPr id="16" name="Slide Zoom 15">
+                <a:hlinkClick r:id="rId4" action="ppaction://hlinksldjump"/>
+                <a:extLst>
+                  <a:ext uri="{FF2B5EF4-FFF2-40B4-BE49-F238E27FC236}">
+                    <a16:creationId xmlns:a16="http://schemas.microsoft.com/office/drawing/2014/main" id="{0CB2CFB7-C353-FB23-C084-DBCE9FB35A5C}"/>
+                  </a:ext>
+                </a:extLst>
+              </p:cNvPr>
+              <p:cNvPicPr>
+                <a:picLocks noGrp="1" noRot="1" noChangeAspect="1" noMove="1" noResize="1" noEditPoints="1" noAdjustHandles="1" noChangeArrowheads="1" noChangeShapeType="1"/>
+              </p:cNvPicPr>
+              <p:nvPr/>
+            </p:nvPicPr>
+            <p:blipFill>
+              <a:blip r:embed="rId17"/>
+              <a:stretch>
+                <a:fillRect/>
+              </a:stretch>
+            </p:blipFill>
+            <p:spPr>
+              <a:xfrm>
+                <a:off x="5039314" y="3741177"/>
+                <a:ext cx="1440000" cy="1247259"/>
+              </a:xfrm>
+              <a:prstGeom prst="rect">
+                <a:avLst/>
+              </a:prstGeom>
+              <a:effectLst>
+                <a:glow>
+                  <a:schemeClr val="tx1"/>
+                </a:glow>
+              </a:effectLst>
+            </p:spPr>
+          </p:pic>
+        </mc:Fallback>
+      </mc:AlternateContent>
+      <mc:AlternateContent xmlns:mc="http://schemas.openxmlformats.org/markup-compatibility/2006" xmlns:pslz="http://schemas.microsoft.com/office/powerpoint/2016/slidezoom">
+        <mc:Choice Requires="pslz">
+          <p:graphicFrame>
+            <p:nvGraphicFramePr>
+              <p:cNvPr id="17" name="Slide Zoom 16">
+                <a:extLst>
+                  <a:ext uri="{FF2B5EF4-FFF2-40B4-BE49-F238E27FC236}">
+                    <a16:creationId xmlns:a16="http://schemas.microsoft.com/office/drawing/2014/main" id="{B0EE9E38-8810-4ECC-5C9A-B90C51DC833C}"/>
+                  </a:ext>
+                </a:extLst>
+              </p:cNvPr>
+              <p:cNvGraphicFramePr>
+                <a:graphicFrameLocks noChangeAspect="1"/>
+              </p:cNvGraphicFramePr>
+              <p:nvPr>
+                <p:extLst>
+                  <p:ext uri="{D42A27DB-BD31-4B8C-83A1-F6EECF244321}">
+                    <p14:modId xmlns:p14="http://schemas.microsoft.com/office/powerpoint/2010/main" val="3082054716"/>
+                  </p:ext>
+                </p:extLst>
+              </p:nvPr>
+            </p:nvGraphicFramePr>
+            <p:xfrm>
+              <a:off x="1438628" y="2493913"/>
+              <a:ext cx="1440000" cy="1247259"/>
+            </p:xfrm>
+            <a:graphic>
+              <a:graphicData uri="http://schemas.microsoft.com/office/powerpoint/2016/slidezoom">
+                <pslz:sldZm>
+                  <pslz:sldZmObj sldId="256" cId="2464987212">
+                    <pslz:zmPr id="{550B9FE4-A4E3-6E43-8434-7F7F244B4ABF}" returnToParent="0" transitionDur="1000" showBg="0">
+                      <p166:blipFill xmlns:p166="http://schemas.microsoft.com/office/powerpoint/2016/6/main">
+                        <a:blip r:embed="rId18"/>
+                        <a:stretch>
+                          <a:fillRect/>
+                        </a:stretch>
+                      </p166:blipFill>
+                      <p166:spPr xmlns:p166="http://schemas.microsoft.com/office/powerpoint/2016/6/main">
+                        <a:xfrm>
+                          <a:off x="0" y="0"/>
+                          <a:ext cx="1440000" cy="1247259"/>
+                        </a:xfrm>
+                        <a:prstGeom prst="rect">
+                          <a:avLst/>
+                        </a:prstGeom>
+                        <a:effectLst>
+                          <a:glow>
+                            <a:schemeClr val="tx1"/>
+                          </a:glow>
+                        </a:effectLst>
+                      </p166:spPr>
+                    </pslz:zmPr>
+                  </pslz:sldZmObj>
+                </pslz:sldZm>
+              </a:graphicData>
+            </a:graphic>
+          </p:graphicFrame>
+        </mc:Choice>
+        <mc:Fallback xmlns="">
+          <p:pic>
+            <p:nvPicPr>
+              <p:cNvPr id="17" name="Slide Zoom 16">
+                <a:hlinkClick r:id="rId4" action="ppaction://hlinksldjump"/>
+                <a:extLst>
+                  <a:ext uri="{FF2B5EF4-FFF2-40B4-BE49-F238E27FC236}">
+                    <a16:creationId xmlns:a16="http://schemas.microsoft.com/office/drawing/2014/main" id="{B0EE9E38-8810-4ECC-5C9A-B90C51DC833C}"/>
+                  </a:ext>
+                </a:extLst>
+              </p:cNvPr>
+              <p:cNvPicPr>
+                <a:picLocks noGrp="1" noRot="1" noChangeAspect="1" noMove="1" noResize="1" noEditPoints="1" noAdjustHandles="1" noChangeArrowheads="1" noChangeShapeType="1"/>
+              </p:cNvPicPr>
+              <p:nvPr/>
+            </p:nvPicPr>
+            <p:blipFill>
+              <a:blip r:embed="rId19"/>
+              <a:stretch>
+                <a:fillRect/>
+              </a:stretch>
+            </p:blipFill>
+            <p:spPr>
+              <a:xfrm>
+                <a:off x="1438628" y="2493913"/>
+                <a:ext cx="1440000" cy="1247259"/>
+              </a:xfrm>
+              <a:prstGeom prst="rect">
+                <a:avLst/>
+              </a:prstGeom>
+              <a:effectLst>
+                <a:glow>
+                  <a:schemeClr val="tx1"/>
+                </a:glow>
+              </a:effectLst>
+            </p:spPr>
+          </p:pic>
+        </mc:Fallback>
+      </mc:AlternateContent>
+      <mc:AlternateContent xmlns:mc="http://schemas.openxmlformats.org/markup-compatibility/2006">
+        <mc:Choice xmlns:pslz="http://schemas.microsoft.com/office/powerpoint/2016/slidezoom" Requires="pslz">
+          <p:graphicFrame>
+            <p:nvGraphicFramePr>
+              <p:cNvPr id="18" name="Slide Zoom 17">
+                <a:extLst>
+                  <a:ext uri="{FF2B5EF4-FFF2-40B4-BE49-F238E27FC236}">
+                    <a16:creationId xmlns:a16="http://schemas.microsoft.com/office/drawing/2014/main" id="{4C8A903C-2B86-8829-5B31-562B8C2DD867}"/>
+                  </a:ext>
+                </a:extLst>
+              </p:cNvPr>
+              <p:cNvGraphicFramePr>
+                <a:graphicFrameLocks noChangeAspect="1"/>
+              </p:cNvGraphicFramePr>
+              <p:nvPr>
+                <p:extLst>
+                  <p:ext uri="{D42A27DB-BD31-4B8C-83A1-F6EECF244321}">
+                    <p14:modId xmlns:p14="http://schemas.microsoft.com/office/powerpoint/2010/main" val="245921182"/>
+                  </p:ext>
+                </p:extLst>
+              </p:nvPr>
+            </p:nvGraphicFramePr>
+            <p:xfrm rot="10800000">
+              <a:off x="2880000" y="3740400"/>
+              <a:ext cx="1440000" cy="1247259"/>
+            </p:xfrm>
+            <a:graphic>
+              <a:graphicData uri="http://schemas.microsoft.com/office/powerpoint/2016/slidezoom">
+                <pslz:sldZm>
+                  <pslz:sldZmObj sldId="256" cId="2464987212">
+                    <pslz:zmPr id="{550B9FE4-A4E3-6E43-8434-7F7F244B4ABF}" returnToParent="0" transitionDur="1000" showBg="0">
+                      <p166:blipFill xmlns:p166="http://schemas.microsoft.com/office/powerpoint/2016/6/main">
+                        <a:blip r:embed="rId20"/>
+                        <a:stretch>
+                          <a:fillRect/>
+                        </a:stretch>
+                      </p166:blipFill>
+                      <p166:spPr xmlns:p166="http://schemas.microsoft.com/office/powerpoint/2016/6/main">
+                        <a:xfrm rot="10800000">
+                          <a:off x="0" y="0"/>
+                          <a:ext cx="1440000" cy="1247259"/>
+                        </a:xfrm>
+                        <a:prstGeom prst="rect">
+                          <a:avLst/>
+                        </a:prstGeom>
+                        <a:effectLst>
+                          <a:glow>
+                            <a:schemeClr val="tx1"/>
+                          </a:glow>
+                        </a:effectLst>
+                      </p166:spPr>
+                    </pslz:zmPr>
+                  </pslz:sldZmObj>
+                </pslz:sldZm>
+              </a:graphicData>
+            </a:graphic>
+          </p:graphicFrame>
+        </mc:Choice>
+        <mc:Fallback>
+          <p:pic>
+            <p:nvPicPr>
+              <p:cNvPr id="18" name="Slide Zoom 17">
+                <a:hlinkClick r:id="rId4" action="ppaction://hlinksldjump"/>
+                <a:extLst>
+                  <a:ext uri="{FF2B5EF4-FFF2-40B4-BE49-F238E27FC236}">
+                    <a16:creationId xmlns:a16="http://schemas.microsoft.com/office/drawing/2014/main" id="{4C8A903C-2B86-8829-5B31-562B8C2DD867}"/>
+                  </a:ext>
+                </a:extLst>
+              </p:cNvPr>
+              <p:cNvPicPr>
+                <a:picLocks noGrp="1" noRot="1" noChangeAspect="1" noMove="1" noResize="1" noEditPoints="1" noAdjustHandles="1" noChangeArrowheads="1" noChangeShapeType="1"/>
+              </p:cNvPicPr>
+              <p:nvPr/>
+            </p:nvPicPr>
+            <p:blipFill>
+              <a:blip r:embed="rId20"/>
               <a:stretch>
                 <a:fillRect/>
               </a:stretch>
             </p:blipFill>
             <p:spPr>
               <a:xfrm rot="10800000">
-                <a:off x="3153425" y="3889609"/>
-                <a:ext cx="889874" cy="770766"/>
+                <a:off x="2880000" y="3740400"/>
+                <a:ext cx="1440000" cy="1247259"/>
+              </a:xfrm>
+              <a:prstGeom prst="rect">
+                <a:avLst/>
+              </a:prstGeom>
+              <a:effectLst>
+                <a:glow>
+                  <a:schemeClr val="tx1"/>
+                </a:glow>
+              </a:effectLst>
+            </p:spPr>
+          </p:pic>
+        </mc:Fallback>
+      </mc:AlternateContent>
+      <mc:AlternateContent xmlns:mc="http://schemas.openxmlformats.org/markup-compatibility/2006" xmlns:pslz="http://schemas.microsoft.com/office/powerpoint/2016/slidezoom">
+        <mc:Choice Requires="pslz">
+          <p:graphicFrame>
+            <p:nvGraphicFramePr>
+              <p:cNvPr id="19" name="Slide Zoom 18">
+                <a:extLst>
+                  <a:ext uri="{FF2B5EF4-FFF2-40B4-BE49-F238E27FC236}">
+                    <a16:creationId xmlns:a16="http://schemas.microsoft.com/office/drawing/2014/main" id="{DF84DB83-8CF5-5C90-55B7-2497793BD32F}"/>
+                  </a:ext>
+                </a:extLst>
+              </p:cNvPr>
+              <p:cNvGraphicFramePr>
+                <a:graphicFrameLocks noChangeAspect="1"/>
+              </p:cNvGraphicFramePr>
+              <p:nvPr>
+                <p:extLst>
+                  <p:ext uri="{D42A27DB-BD31-4B8C-83A1-F6EECF244321}">
+                    <p14:modId xmlns:p14="http://schemas.microsoft.com/office/powerpoint/2010/main" val="4126714758"/>
+                  </p:ext>
+                </p:extLst>
+              </p:nvPr>
+            </p:nvGraphicFramePr>
+            <p:xfrm>
+              <a:off x="4317942" y="2493913"/>
+              <a:ext cx="1440000" cy="1247259"/>
+            </p:xfrm>
+            <a:graphic>
+              <a:graphicData uri="http://schemas.microsoft.com/office/powerpoint/2016/slidezoom">
+                <pslz:sldZm>
+                  <pslz:sldZmObj sldId="256" cId="2464987212">
+                    <pslz:zmPr id="{550B9FE4-A4E3-6E43-8434-7F7F244B4ABF}" returnToParent="0" transitionDur="1000" showBg="0">
+                      <p166:blipFill xmlns:p166="http://schemas.microsoft.com/office/powerpoint/2016/6/main">
+                        <a:blip r:embed="rId21"/>
+                        <a:stretch>
+                          <a:fillRect/>
+                        </a:stretch>
+                      </p166:blipFill>
+                      <p166:spPr xmlns:p166="http://schemas.microsoft.com/office/powerpoint/2016/6/main">
+                        <a:xfrm>
+                          <a:off x="0" y="0"/>
+                          <a:ext cx="1440000" cy="1247259"/>
+                        </a:xfrm>
+                        <a:prstGeom prst="rect">
+                          <a:avLst/>
+                        </a:prstGeom>
+                        <a:effectLst>
+                          <a:glow>
+                            <a:schemeClr val="tx1"/>
+                          </a:glow>
+                        </a:effectLst>
+                      </p166:spPr>
+                    </pslz:zmPr>
+                  </pslz:sldZmObj>
+                </pslz:sldZm>
+              </a:graphicData>
+            </a:graphic>
+          </p:graphicFrame>
+        </mc:Choice>
+        <mc:Fallback xmlns="">
+          <p:pic>
+            <p:nvPicPr>
+              <p:cNvPr id="19" name="Slide Zoom 18">
+                <a:hlinkClick r:id="rId4" action="ppaction://hlinksldjump"/>
+                <a:extLst>
+                  <a:ext uri="{FF2B5EF4-FFF2-40B4-BE49-F238E27FC236}">
+                    <a16:creationId xmlns:a16="http://schemas.microsoft.com/office/drawing/2014/main" id="{DF84DB83-8CF5-5C90-55B7-2497793BD32F}"/>
+                  </a:ext>
+                </a:extLst>
+              </p:cNvPr>
+              <p:cNvPicPr>
+                <a:picLocks noGrp="1" noRot="1" noChangeAspect="1" noMove="1" noResize="1" noEditPoints="1" noAdjustHandles="1" noChangeArrowheads="1" noChangeShapeType="1"/>
+              </p:cNvPicPr>
+              <p:nvPr/>
+            </p:nvPicPr>
+            <p:blipFill>
+              <a:blip r:embed="rId22"/>
+              <a:stretch>
+                <a:fillRect/>
+              </a:stretch>
+            </p:blipFill>
+            <p:spPr>
+              <a:xfrm>
+                <a:off x="4317942" y="2493913"/>
+                <a:ext cx="1440000" cy="1247259"/>
+              </a:xfrm>
+              <a:prstGeom prst="rect">
+                <a:avLst/>
+              </a:prstGeom>
+              <a:effectLst>
+                <a:glow>
+                  <a:schemeClr val="tx1"/>
+                </a:glow>
+              </a:effectLst>
+            </p:spPr>
+          </p:pic>
+        </mc:Fallback>
+      </mc:AlternateContent>
+      <mc:AlternateContent xmlns:mc="http://schemas.openxmlformats.org/markup-compatibility/2006" xmlns:pslz="http://schemas.microsoft.com/office/powerpoint/2016/slidezoom">
+        <mc:Choice Requires="pslz">
+          <p:graphicFrame>
+            <p:nvGraphicFramePr>
+              <p:cNvPr id="20" name="Slide Zoom 19">
+                <a:extLst>
+                  <a:ext uri="{FF2B5EF4-FFF2-40B4-BE49-F238E27FC236}">
+                    <a16:creationId xmlns:a16="http://schemas.microsoft.com/office/drawing/2014/main" id="{25E5FC69-B245-D6BA-981F-393745E80EC2}"/>
+                  </a:ext>
+                </a:extLst>
+              </p:cNvPr>
+              <p:cNvGraphicFramePr>
+                <a:graphicFrameLocks noChangeAspect="1"/>
+              </p:cNvGraphicFramePr>
+              <p:nvPr>
+                <p:extLst>
+                  <p:ext uri="{D42A27DB-BD31-4B8C-83A1-F6EECF244321}">
+                    <p14:modId xmlns:p14="http://schemas.microsoft.com/office/powerpoint/2010/main" val="191808827"/>
+                  </p:ext>
+                </p:extLst>
+              </p:nvPr>
+            </p:nvGraphicFramePr>
+            <p:xfrm>
+              <a:off x="2160000" y="1245600"/>
+              <a:ext cx="1440000" cy="1247259"/>
+            </p:xfrm>
+            <a:graphic>
+              <a:graphicData uri="http://schemas.microsoft.com/office/powerpoint/2016/slidezoom">
+                <pslz:sldZm>
+                  <pslz:sldZmObj sldId="256" cId="2464987212">
+                    <pslz:zmPr id="{550B9FE4-A4E3-6E43-8434-7F7F244B4ABF}" returnToParent="0" transitionDur="1000" showBg="0">
+                      <p166:blipFill xmlns:p166="http://schemas.microsoft.com/office/powerpoint/2016/6/main">
+                        <a:blip r:embed="rId23"/>
+                        <a:stretch>
+                          <a:fillRect/>
+                        </a:stretch>
+                      </p166:blipFill>
+                      <p166:spPr xmlns:p166="http://schemas.microsoft.com/office/powerpoint/2016/6/main">
+                        <a:xfrm>
+                          <a:off x="0" y="0"/>
+                          <a:ext cx="1440000" cy="1247259"/>
+                        </a:xfrm>
+                        <a:prstGeom prst="rect">
+                          <a:avLst/>
+                        </a:prstGeom>
+                        <a:effectLst>
+                          <a:glow>
+                            <a:schemeClr val="tx1"/>
+                          </a:glow>
+                        </a:effectLst>
+                      </p166:spPr>
+                    </pslz:zmPr>
+                  </pslz:sldZmObj>
+                </pslz:sldZm>
+              </a:graphicData>
+            </a:graphic>
+          </p:graphicFrame>
+        </mc:Choice>
+        <mc:Fallback xmlns="">
+          <p:pic>
+            <p:nvPicPr>
+              <p:cNvPr id="20" name="Slide Zoom 19">
+                <a:hlinkClick r:id="rId4" action="ppaction://hlinksldjump"/>
+                <a:extLst>
+                  <a:ext uri="{FF2B5EF4-FFF2-40B4-BE49-F238E27FC236}">
+                    <a16:creationId xmlns:a16="http://schemas.microsoft.com/office/drawing/2014/main" id="{25E5FC69-B245-D6BA-981F-393745E80EC2}"/>
+                  </a:ext>
+                </a:extLst>
+              </p:cNvPr>
+              <p:cNvPicPr>
+                <a:picLocks noGrp="1" noRot="1" noChangeAspect="1" noMove="1" noResize="1" noEditPoints="1" noAdjustHandles="1" noChangeArrowheads="1" noChangeShapeType="1"/>
+              </p:cNvPicPr>
+              <p:nvPr/>
+            </p:nvPicPr>
+            <p:blipFill>
+              <a:blip r:embed="rId24"/>
+              <a:stretch>
+                <a:fillRect/>
+              </a:stretch>
+            </p:blipFill>
+            <p:spPr>
+              <a:xfrm>
+                <a:off x="2160000" y="1245600"/>
+                <a:ext cx="1440000" cy="1247259"/>
+              </a:xfrm>
+              <a:prstGeom prst="rect">
+                <a:avLst/>
+              </a:prstGeom>
+              <a:effectLst>
+                <a:glow>
+                  <a:schemeClr val="tx1"/>
+                </a:glow>
+              </a:effectLst>
+            </p:spPr>
+          </p:pic>
+        </mc:Fallback>
+      </mc:AlternateContent>
+      <mc:AlternateContent xmlns:mc="http://schemas.openxmlformats.org/markup-compatibility/2006" xmlns:pslz="http://schemas.microsoft.com/office/powerpoint/2016/slidezoom">
+        <mc:Choice Requires="pslz">
+          <p:graphicFrame>
+            <p:nvGraphicFramePr>
+              <p:cNvPr id="21" name="Slide Zoom 20">
+                <a:extLst>
+                  <a:ext uri="{FF2B5EF4-FFF2-40B4-BE49-F238E27FC236}">
+                    <a16:creationId xmlns:a16="http://schemas.microsoft.com/office/drawing/2014/main" id="{0074692B-CA96-7AB4-81C0-184FF9EE3A46}"/>
+                  </a:ext>
+                </a:extLst>
+              </p:cNvPr>
+              <p:cNvGraphicFramePr>
+                <a:graphicFrameLocks noChangeAspect="1"/>
+              </p:cNvGraphicFramePr>
+              <p:nvPr>
+                <p:extLst>
+                  <p:ext uri="{D42A27DB-BD31-4B8C-83A1-F6EECF244321}">
+                    <p14:modId xmlns:p14="http://schemas.microsoft.com/office/powerpoint/2010/main" val="2459813166"/>
+                  </p:ext>
+                </p:extLst>
+              </p:nvPr>
+            </p:nvGraphicFramePr>
+            <p:xfrm>
+              <a:off x="3600000" y="1246647"/>
+              <a:ext cx="1440000" cy="1247259"/>
+            </p:xfrm>
+            <a:graphic>
+              <a:graphicData uri="http://schemas.microsoft.com/office/powerpoint/2016/slidezoom">
+                <pslz:sldZm>
+                  <pslz:sldZmObj sldId="256" cId="2464987212">
+                    <pslz:zmPr id="{550B9FE4-A4E3-6E43-8434-7F7F244B4ABF}" returnToParent="0" transitionDur="1000" showBg="0">
+                      <p166:blipFill xmlns:p166="http://schemas.microsoft.com/office/powerpoint/2016/6/main">
+                        <a:blip r:embed="rId25"/>
+                        <a:stretch>
+                          <a:fillRect/>
+                        </a:stretch>
+                      </p166:blipFill>
+                      <p166:spPr xmlns:p166="http://schemas.microsoft.com/office/powerpoint/2016/6/main">
+                        <a:xfrm>
+                          <a:off x="0" y="0"/>
+                          <a:ext cx="1440000" cy="1247259"/>
+                        </a:xfrm>
+                        <a:prstGeom prst="rect">
+                          <a:avLst/>
+                        </a:prstGeom>
+                        <a:effectLst>
+                          <a:glow>
+                            <a:schemeClr val="tx1"/>
+                          </a:glow>
+                        </a:effectLst>
+                      </p166:spPr>
+                    </pslz:zmPr>
+                  </pslz:sldZmObj>
+                </pslz:sldZm>
+              </a:graphicData>
+            </a:graphic>
+          </p:graphicFrame>
+        </mc:Choice>
+        <mc:Fallback xmlns="">
+          <p:pic>
+            <p:nvPicPr>
+              <p:cNvPr id="21" name="Slide Zoom 20">
+                <a:hlinkClick r:id="rId4" action="ppaction://hlinksldjump"/>
+                <a:extLst>
+                  <a:ext uri="{FF2B5EF4-FFF2-40B4-BE49-F238E27FC236}">
+                    <a16:creationId xmlns:a16="http://schemas.microsoft.com/office/drawing/2014/main" id="{0074692B-CA96-7AB4-81C0-184FF9EE3A46}"/>
+                  </a:ext>
+                </a:extLst>
+              </p:cNvPr>
+              <p:cNvPicPr>
+                <a:picLocks noGrp="1" noRot="1" noChangeAspect="1" noMove="1" noResize="1" noEditPoints="1" noAdjustHandles="1" noChangeArrowheads="1" noChangeShapeType="1"/>
+              </p:cNvPicPr>
+              <p:nvPr/>
+            </p:nvPicPr>
+            <p:blipFill>
+              <a:blip r:embed="rId26"/>
+              <a:stretch>
+                <a:fillRect/>
+              </a:stretch>
+            </p:blipFill>
+            <p:spPr>
+              <a:xfrm>
+                <a:off x="3600000" y="1246647"/>
+                <a:ext cx="1440000" cy="1247259"/>
+              </a:xfrm>
+              <a:prstGeom prst="rect">
+                <a:avLst/>
+              </a:prstGeom>
+              <a:effectLst>
+                <a:glow>
+                  <a:schemeClr val="tx1"/>
+                </a:glow>
+              </a:effectLst>
+            </p:spPr>
+          </p:pic>
+        </mc:Fallback>
+      </mc:AlternateContent>
+      <mc:AlternateContent xmlns:mc="http://schemas.openxmlformats.org/markup-compatibility/2006" xmlns:pslz="http://schemas.microsoft.com/office/powerpoint/2016/slidezoom">
+        <mc:Choice Requires="pslz">
+          <p:graphicFrame>
+            <p:nvGraphicFramePr>
+              <p:cNvPr id="22" name="Slide Zoom 21">
+                <a:extLst>
+                  <a:ext uri="{FF2B5EF4-FFF2-40B4-BE49-F238E27FC236}">
+                    <a16:creationId xmlns:a16="http://schemas.microsoft.com/office/drawing/2014/main" id="{146BEFB3-6F6C-8F2B-8E55-3BBDD29237E1}"/>
+                  </a:ext>
+                </a:extLst>
+              </p:cNvPr>
+              <p:cNvGraphicFramePr>
+                <a:graphicFrameLocks noChangeAspect="1"/>
+              </p:cNvGraphicFramePr>
+              <p:nvPr>
+                <p:extLst>
+                  <p:ext uri="{D42A27DB-BD31-4B8C-83A1-F6EECF244321}">
+                    <p14:modId xmlns:p14="http://schemas.microsoft.com/office/powerpoint/2010/main" val="4186884837"/>
+                  </p:ext>
+                </p:extLst>
+              </p:nvPr>
+            </p:nvGraphicFramePr>
+            <p:xfrm>
+              <a:off x="2880000" y="0"/>
+              <a:ext cx="1440000" cy="1247259"/>
+            </p:xfrm>
+            <a:graphic>
+              <a:graphicData uri="http://schemas.microsoft.com/office/powerpoint/2016/slidezoom">
+                <pslz:sldZm>
+                  <pslz:sldZmObj sldId="256" cId="2464987212">
+                    <pslz:zmPr id="{550B9FE4-A4E3-6E43-8434-7F7F244B4ABF}" returnToParent="0" transitionDur="1000" showBg="0">
+                      <p166:blipFill xmlns:p166="http://schemas.microsoft.com/office/powerpoint/2016/6/main">
+                        <a:blip r:embed="rId27"/>
+                        <a:stretch>
+                          <a:fillRect/>
+                        </a:stretch>
+                      </p166:blipFill>
+                      <p166:spPr xmlns:p166="http://schemas.microsoft.com/office/powerpoint/2016/6/main">
+                        <a:xfrm>
+                          <a:off x="0" y="0"/>
+                          <a:ext cx="1440000" cy="1247259"/>
+                        </a:xfrm>
+                        <a:prstGeom prst="rect">
+                          <a:avLst/>
+                        </a:prstGeom>
+                        <a:effectLst>
+                          <a:glow>
+                            <a:schemeClr val="tx1"/>
+                          </a:glow>
+                        </a:effectLst>
+                      </p166:spPr>
+                    </pslz:zmPr>
+                  </pslz:sldZmObj>
+                </pslz:sldZm>
+              </a:graphicData>
+            </a:graphic>
+          </p:graphicFrame>
+        </mc:Choice>
+        <mc:Fallback xmlns="">
+          <p:pic>
+            <p:nvPicPr>
+              <p:cNvPr id="22" name="Slide Zoom 21">
+                <a:hlinkClick r:id="rId4" action="ppaction://hlinksldjump"/>
+                <a:extLst>
+                  <a:ext uri="{FF2B5EF4-FFF2-40B4-BE49-F238E27FC236}">
+                    <a16:creationId xmlns:a16="http://schemas.microsoft.com/office/drawing/2014/main" id="{146BEFB3-6F6C-8F2B-8E55-3BBDD29237E1}"/>
+                  </a:ext>
+                </a:extLst>
+              </p:cNvPr>
+              <p:cNvPicPr>
+                <a:picLocks noGrp="1" noRot="1" noChangeAspect="1" noMove="1" noResize="1" noEditPoints="1" noAdjustHandles="1" noChangeArrowheads="1" noChangeShapeType="1"/>
+              </p:cNvPicPr>
+              <p:nvPr/>
+            </p:nvPicPr>
+            <p:blipFill>
+              <a:blip r:embed="rId28"/>
+              <a:stretch>
+                <a:fillRect/>
+              </a:stretch>
+            </p:blipFill>
+            <p:spPr>
+              <a:xfrm>
+                <a:off x="2880000" y="0"/>
+                <a:ext cx="1440000" cy="1247259"/>
               </a:xfrm>
               <a:prstGeom prst="rect">
                 <a:avLst/>
@@ -3976,6 +4942,301 @@
 </a:theme>
 </file>
 
+<file path=ppt/theme/theme2.xml><?xml version="1.0" encoding="utf-8"?>
+<a:theme xmlns:a="http://schemas.openxmlformats.org/drawingml/2006/main" name="Office Theme">
+  <a:themeElements>
+    <a:clrScheme name="Office">
+      <a:dk1>
+        <a:sysClr val="windowText" lastClr="000000"/>
+      </a:dk1>
+      <a:lt1>
+        <a:sysClr val="window" lastClr="FFFFFF"/>
+      </a:lt1>
+      <a:dk2>
+        <a:srgbClr val="44546A"/>
+      </a:dk2>
+      <a:lt2>
+        <a:srgbClr val="E7E6E6"/>
+      </a:lt2>
+      <a:accent1>
+        <a:srgbClr val="4472C4"/>
+      </a:accent1>
+      <a:accent2>
+        <a:srgbClr val="ED7D31"/>
+      </a:accent2>
+      <a:accent3>
+        <a:srgbClr val="A5A5A5"/>
+      </a:accent3>
+      <a:accent4>
+        <a:srgbClr val="FFC000"/>
+      </a:accent4>
+      <a:accent5>
+        <a:srgbClr val="5B9BD5"/>
+      </a:accent5>
+      <a:accent6>
+        <a:srgbClr val="70AD47"/>
+      </a:accent6>
+      <a:hlink>
+        <a:srgbClr val="0563C1"/>
+      </a:hlink>
+      <a:folHlink>
+        <a:srgbClr val="954F72"/>
+      </a:folHlink>
+    </a:clrScheme>
+    <a:fontScheme name="Office">
+      <a:majorFont>
+        <a:latin typeface="Calibri Light" panose="020F0302020204030204"/>
+        <a:ea typeface=""/>
+        <a:cs typeface=""/>
+        <a:font script="Jpan" typeface="游ゴシック Light"/>
+        <a:font script="Hang" typeface="맑은 고딕"/>
+        <a:font script="Hans" typeface="等线 Light"/>
+        <a:font script="Hant" typeface="新細明體"/>
+        <a:font script="Arab" typeface="Times New Roman"/>
+        <a:font script="Hebr" typeface="Times New Roman"/>
+        <a:font script="Thai" typeface="Angsana New"/>
+        <a:font script="Ethi" typeface="Nyala"/>
+        <a:font script="Beng" typeface="Vrinda"/>
+        <a:font script="Gujr" typeface="Shruti"/>
+        <a:font script="Khmr" typeface="MoolBoran"/>
+        <a:font script="Knda" typeface="Tunga"/>
+        <a:font script="Guru" typeface="Raavi"/>
+        <a:font script="Cans" typeface="Euphemia"/>
+        <a:font script="Cher" typeface="Plantagenet Cherokee"/>
+        <a:font script="Yiii" typeface="Microsoft Yi Baiti"/>
+        <a:font script="Tibt" typeface="Microsoft Himalaya"/>
+        <a:font script="Thaa" typeface="MV Boli"/>
+        <a:font script="Deva" typeface="Mangal"/>
+        <a:font script="Telu" typeface="Gautami"/>
+        <a:font script="Taml" typeface="Latha"/>
+        <a:font script="Syrc" typeface="Estrangelo Edessa"/>
+        <a:font script="Orya" typeface="Kalinga"/>
+        <a:font script="Mlym" typeface="Kartika"/>
+        <a:font script="Laoo" typeface="DokChampa"/>
+        <a:font script="Sinh" typeface="Iskoola Pota"/>
+        <a:font script="Mong" typeface="Mongolian Baiti"/>
+        <a:font script="Viet" typeface="Times New Roman"/>
+        <a:font script="Uigh" typeface="Microsoft Uighur"/>
+        <a:font script="Geor" typeface="Sylfaen"/>
+        <a:font script="Armn" typeface="Arial"/>
+        <a:font script="Bugi" typeface="Leelawadee UI"/>
+        <a:font script="Bopo" typeface="Microsoft JhengHei"/>
+        <a:font script="Java" typeface="Javanese Text"/>
+        <a:font script="Lisu" typeface="Segoe UI"/>
+        <a:font script="Mymr" typeface="Myanmar Text"/>
+        <a:font script="Nkoo" typeface="Ebrima"/>
+        <a:font script="Olck" typeface="Nirmala UI"/>
+        <a:font script="Osma" typeface="Ebrima"/>
+        <a:font script="Phag" typeface="Phagspa"/>
+        <a:font script="Syrn" typeface="Estrangelo Edessa"/>
+        <a:font script="Syrj" typeface="Estrangelo Edessa"/>
+        <a:font script="Syre" typeface="Estrangelo Edessa"/>
+        <a:font script="Sora" typeface="Nirmala UI"/>
+        <a:font script="Tale" typeface="Microsoft Tai Le"/>
+        <a:font script="Talu" typeface="Microsoft New Tai Lue"/>
+        <a:font script="Tfng" typeface="Ebrima"/>
+      </a:majorFont>
+      <a:minorFont>
+        <a:latin typeface="Calibri" panose="020F0502020204030204"/>
+        <a:ea typeface=""/>
+        <a:cs typeface=""/>
+        <a:font script="Jpan" typeface="游ゴシック"/>
+        <a:font script="Hang" typeface="맑은 고딕"/>
+        <a:font script="Hans" typeface="等线"/>
+        <a:font script="Hant" typeface="新細明體"/>
+        <a:font script="Arab" typeface="Arial"/>
+        <a:font script="Hebr" typeface="Arial"/>
+        <a:font script="Thai" typeface="Cordia New"/>
+        <a:font script="Ethi" typeface="Nyala"/>
+        <a:font script="Beng" typeface="Vrinda"/>
+        <a:font script="Gujr" typeface="Shruti"/>
+        <a:font script="Khmr" typeface="DaunPenh"/>
+        <a:font script="Knda" typeface="Tunga"/>
+        <a:font script="Guru" typeface="Raavi"/>
+        <a:font script="Cans" typeface="Euphemia"/>
+        <a:font script="Cher" typeface="Plantagenet Cherokee"/>
+        <a:font script="Yiii" typeface="Microsoft Yi Baiti"/>
+        <a:font script="Tibt" typeface="Microsoft Himalaya"/>
+        <a:font script="Thaa" typeface="MV Boli"/>
+        <a:font script="Deva" typeface="Mangal"/>
+        <a:font script="Telu" typeface="Gautami"/>
+        <a:font script="Taml" typeface="Latha"/>
+        <a:font script="Syrc" typeface="Estrangelo Edessa"/>
+        <a:font script="Orya" typeface="Kalinga"/>
+        <a:font script="Mlym" typeface="Kartika"/>
+        <a:font script="Laoo" typeface="DokChampa"/>
+        <a:font script="Sinh" typeface="Iskoola Pota"/>
+        <a:font script="Mong" typeface="Mongolian Baiti"/>
+        <a:font script="Viet" typeface="Arial"/>
+        <a:font script="Uigh" typeface="Microsoft Uighur"/>
+        <a:font script="Geor" typeface="Sylfaen"/>
+        <a:font script="Armn" typeface="Arial"/>
+        <a:font script="Bugi" typeface="Leelawadee UI"/>
+        <a:font script="Bopo" typeface="Microsoft JhengHei"/>
+        <a:font script="Java" typeface="Javanese Text"/>
+        <a:font script="Lisu" typeface="Segoe UI"/>
+        <a:font script="Mymr" typeface="Myanmar Text"/>
+        <a:font script="Nkoo" typeface="Ebrima"/>
+        <a:font script="Olck" typeface="Nirmala UI"/>
+        <a:font script="Osma" typeface="Ebrima"/>
+        <a:font script="Phag" typeface="Phagspa"/>
+        <a:font script="Syrn" typeface="Estrangelo Edessa"/>
+        <a:font script="Syrj" typeface="Estrangelo Edessa"/>
+        <a:font script="Syre" typeface="Estrangelo Edessa"/>
+        <a:font script="Sora" typeface="Nirmala UI"/>
+        <a:font script="Tale" typeface="Microsoft Tai Le"/>
+        <a:font script="Talu" typeface="Microsoft New Tai Lue"/>
+        <a:font script="Tfng" typeface="Ebrima"/>
+      </a:minorFont>
+    </a:fontScheme>
+    <a:fmtScheme name="Office">
+      <a:fillStyleLst>
+        <a:solidFill>
+          <a:schemeClr val="phClr"/>
+        </a:solidFill>
+        <a:gradFill rotWithShape="1">
+          <a:gsLst>
+            <a:gs pos="0">
+              <a:schemeClr val="phClr">
+                <a:lumMod val="110000"/>
+                <a:satMod val="105000"/>
+                <a:tint val="67000"/>
+              </a:schemeClr>
+            </a:gs>
+            <a:gs pos="50000">
+              <a:schemeClr val="phClr">
+                <a:lumMod val="105000"/>
+                <a:satMod val="103000"/>
+                <a:tint val="73000"/>
+              </a:schemeClr>
+            </a:gs>
+            <a:gs pos="100000">
+              <a:schemeClr val="phClr">
+                <a:lumMod val="105000"/>
+                <a:satMod val="109000"/>
+                <a:tint val="81000"/>
+              </a:schemeClr>
+            </a:gs>
+          </a:gsLst>
+          <a:lin ang="5400000" scaled="0"/>
+        </a:gradFill>
+        <a:gradFill rotWithShape="1">
+          <a:gsLst>
+            <a:gs pos="0">
+              <a:schemeClr val="phClr">
+                <a:satMod val="103000"/>
+                <a:lumMod val="102000"/>
+                <a:tint val="94000"/>
+              </a:schemeClr>
+            </a:gs>
+            <a:gs pos="50000">
+              <a:schemeClr val="phClr">
+                <a:satMod val="110000"/>
+                <a:lumMod val="100000"/>
+                <a:shade val="100000"/>
+              </a:schemeClr>
+            </a:gs>
+            <a:gs pos="100000">
+              <a:schemeClr val="phClr">
+                <a:lumMod val="99000"/>
+                <a:satMod val="120000"/>
+                <a:shade val="78000"/>
+              </a:schemeClr>
+            </a:gs>
+          </a:gsLst>
+          <a:lin ang="5400000" scaled="0"/>
+        </a:gradFill>
+      </a:fillStyleLst>
+      <a:lnStyleLst>
+        <a:ln w="6350" cap="flat" cmpd="sng" algn="ctr">
+          <a:solidFill>
+            <a:schemeClr val="phClr"/>
+          </a:solidFill>
+          <a:prstDash val="solid"/>
+          <a:miter lim="800000"/>
+        </a:ln>
+        <a:ln w="12700" cap="flat" cmpd="sng" algn="ctr">
+          <a:solidFill>
+            <a:schemeClr val="phClr"/>
+          </a:solidFill>
+          <a:prstDash val="solid"/>
+          <a:miter lim="800000"/>
+        </a:ln>
+        <a:ln w="19050" cap="flat" cmpd="sng" algn="ctr">
+          <a:solidFill>
+            <a:schemeClr val="phClr"/>
+          </a:solidFill>
+          <a:prstDash val="solid"/>
+          <a:miter lim="800000"/>
+        </a:ln>
+      </a:lnStyleLst>
+      <a:effectStyleLst>
+        <a:effectStyle>
+          <a:effectLst/>
+        </a:effectStyle>
+        <a:effectStyle>
+          <a:effectLst/>
+        </a:effectStyle>
+        <a:effectStyle>
+          <a:effectLst>
+            <a:outerShdw blurRad="57150" dist="19050" dir="5400000" algn="ctr" rotWithShape="0">
+              <a:srgbClr val="000000">
+                <a:alpha val="63000"/>
+              </a:srgbClr>
+            </a:outerShdw>
+          </a:effectLst>
+        </a:effectStyle>
+      </a:effectStyleLst>
+      <a:bgFillStyleLst>
+        <a:solidFill>
+          <a:schemeClr val="phClr"/>
+        </a:solidFill>
+        <a:solidFill>
+          <a:schemeClr val="phClr">
+            <a:tint val="95000"/>
+            <a:satMod val="170000"/>
+          </a:schemeClr>
+        </a:solidFill>
+        <a:gradFill rotWithShape="1">
+          <a:gsLst>
+            <a:gs pos="0">
+              <a:schemeClr val="phClr">
+                <a:tint val="93000"/>
+                <a:satMod val="150000"/>
+                <a:shade val="98000"/>
+                <a:lumMod val="102000"/>
+              </a:schemeClr>
+            </a:gs>
+            <a:gs pos="50000">
+              <a:schemeClr val="phClr">
+                <a:tint val="98000"/>
+                <a:satMod val="130000"/>
+                <a:shade val="90000"/>
+                <a:lumMod val="103000"/>
+              </a:schemeClr>
+            </a:gs>
+            <a:gs pos="100000">
+              <a:schemeClr val="phClr">
+                <a:shade val="63000"/>
+                <a:satMod val="120000"/>
+              </a:schemeClr>
+            </a:gs>
+          </a:gsLst>
+          <a:lin ang="5400000" scaled="0"/>
+        </a:gradFill>
+      </a:bgFillStyleLst>
+    </a:fmtScheme>
+  </a:themeElements>
+  <a:objectDefaults/>
+  <a:extraClrSchemeLst/>
+  <a:extLst>
+    <a:ext uri="{05A4C25C-085E-4340-85A3-A5531E510DB2}">
+      <thm15:themeFamily xmlns:thm15="http://schemas.microsoft.com/office/thememl/2012/main" name="Office Theme" id="{62F939B6-93AF-4DB8-9C6B-D6C7DFDC589F}" vid="{4A3C46E8-61CC-4603-A589-7422A47A8E4A}"/>
+    </a:ext>
+  </a:extLst>
+</a:theme>
+</file>
+
 <file path=docMetadata/LabelInfo.xml><?xml version="1.0" encoding="utf-8"?>
 <clbl:labelList xmlns:clbl="http://schemas.microsoft.com/office/2020/mipLabelMetadata">
   <clbl:label id="{f42aa342-8706-4288-bd11-ebb85995028c}" enabled="1" method="Standard" siteId="{72f988bf-86f1-41af-91ab-2d7cd011db47}" contentBits="0" removed="0"/>
